--- a/04 -EML standards.pptx
+++ b/04 -EML standards.pptx
@@ -1209,7 +1209,7 @@
                 <a:cs typeface="Calibri"/>
                 <a:sym typeface="Calibri"/>
               </a:rPr>
-              <a:t>‹#›</a:t>
+              <a:t>‹N°›</a:t>
             </a:fld>
             <a:endParaRPr sz="1200" b="0" i="0" u="none" strike="noStrike" cap="none">
               <a:solidFill>
@@ -1619,18 +1619,9 @@
               <a:buNone/>
             </a:pPr>
             <a:r>
-              <a:rPr lang="en-CA" sz="1200" dirty="0">
-                <a:solidFill>
-                  <a:schemeClr val="dk1"/>
-                </a:solidFill>
-                <a:latin typeface="Calibri"/>
-                <a:ea typeface="Calibri"/>
-                <a:cs typeface="Calibri"/>
-                <a:sym typeface="Calibri"/>
-              </a:rPr>
-              <a:t>OBIS (and GBIF) uses the Ecological Metadata Language (EML), in more particularly the GBIF EML profile (version 1.1), as its metadata standard. EML has moved leaps and bounds beyond 1.1 (v2.2 released in September 2019) but the GBIF profile split off from it in 2014 or so and it hasn’t been tracking alongside the current EML standard.</a:t>
-            </a:r>
-            <a:endParaRPr lang="en-CA" dirty="0"/>
+              <a:rPr lang="fr-FR" dirty="0"/>
+              <a:t>EML a fait des pas de géant au-delà de la version 1.1 (v2.2 publiée en septembre 2019), mais le profil GBIF s'est séparé de lui en 2014 environ et il n'a pas suivi le standard EML actuel.</a:t>
+            </a:r>
           </a:p>
           <a:p>
             <a:pPr marL="0" marR="0" lvl="0" indent="0" algn="l" rtl="0">
@@ -1663,21 +1654,20 @@
               <a:buNone/>
             </a:pPr>
             <a:r>
-              <a:rPr lang="en-CA" sz="1200" dirty="0">
-                <a:solidFill>
-                  <a:schemeClr val="dk1"/>
-                </a:solidFill>
-                <a:latin typeface="Calibri"/>
-                <a:ea typeface="Calibri"/>
-                <a:cs typeface="Calibri"/>
-                <a:sym typeface="Calibri"/>
-              </a:rPr>
-              <a:t>The Integrated Publishing Toolkit (IPT) developed by GBIF provides an online interface to manually fill in the EML terms via webform and generate a eml.xml file that is compliant.</a:t>
-            </a:r>
-            <a:endParaRPr lang="en-CA" dirty="0"/>
+              <a:rPr lang="fr-FR" dirty="0"/>
+              <a:t>L'IPT (Integrated </a:t>
+            </a:r>
+            <a:r>
+              <a:rPr lang="fr-FR" dirty="0" err="1"/>
+              <a:t>Publishing</a:t>
+            </a:r>
+            <a:r>
+              <a:rPr lang="fr-FR" dirty="0"/>
+              <a:t> Toolkit) développé par GBIF fournit une interface en ligne pour remplir manuellement les termes EML via un formulaire Web et générer un fichier eml.xml conforme.</a:t>
+            </a:r>
           </a:p>
           <a:p>
-            <a:pPr marL="0" lvl="0" indent="0" algn="l" rtl="0">
+            <a:pPr marL="0" marR="0" lvl="0" indent="0" algn="l" rtl="0">
               <a:spcBef>
                 <a:spcPts val="0"/>
               </a:spcBef>
@@ -1699,8 +1689,8 @@
               <a:buNone/>
             </a:pPr>
             <a:r>
-              <a:rPr lang="en-CA" dirty="0"/>
-              <a:t>This metadata is concerned with discovery, and attribution, it’s what populates the flashy dataset pages on the OBIS website, and how we register who funded, collected, curated, published, and were the primary users of each dataset.</a:t>
+              <a:rPr lang="fr-FR" dirty="0"/>
+              <a:t>Ces métadonnées concernent la découverte et l'attribution, c'est ce qui alimente les pages des différents jeux de données retrouvés sur le site Web OBIS. On y retrouve donc des informations sur les données en elle-même et le projet, ainsi que des informations sur qui a financé, collecté, organisé et publié les données.</a:t>
             </a:r>
             <a:endParaRPr dirty="0"/>
           </a:p>
@@ -1807,9 +1797,16 @@
               <a:buNone/>
             </a:pPr>
             <a:r>
-              <a:rPr lang="en-CA" dirty="0"/>
-              <a:t>For submitting to OBIS, the following 4 terms are the bare minimum: Title, Citation, Contact and Abstract.</a:t>
-            </a:r>
+              <a:rPr lang="fr-CA" b="0" i="0" dirty="0">
+                <a:solidFill>
+                  <a:srgbClr val="202124"/>
+                </a:solidFill>
+                <a:effectLst/>
+                <a:latin typeface="Google Sans"/>
+              </a:rPr>
+              <a:t>Pour soumettre à OBIS, les 4 termes suivants sont le strict minimum: Titre, Citation, Contact et Résumé.</a:t>
+            </a:r>
+            <a:endParaRPr lang="en-CA" dirty="0"/>
           </a:p>
           <a:p>
             <a:pPr marL="0" lvl="0" indent="0" algn="l" rtl="0">
@@ -1834,9 +1831,10 @@
               <a:buNone/>
             </a:pPr>
             <a:r>
-              <a:rPr lang="en-CA" dirty="0"/>
-              <a:t>These and other terms are prompted in the IPT Metadata form set that accompanies each data collection, with entire sections covering geographic, temporal, and taxonomic coverage. Some of these fields are very straightforward, almost all of them have tooltips baked into the IPT to help with context.</a:t>
-            </a:r>
+              <a:rPr lang="fr-FR" dirty="0"/>
+              <a:t>Ces termes et plusieurs autres sont dans le formulaires de métadonnées qui est disponible dans l’IPT. Ce formulaire accompagne chaque nouvelle création de jeu de données. Il est divisé en différentes sections : couverture géographique, temporelle et taxonomique, contacts, méthodes, etc. Certains de ces champs sont très simples, presque tous ont des info-bulles intégrées dans l'IPT pour aider avec le contexte.</a:t>
+            </a:r>
+            <a:endParaRPr lang="en-CA" dirty="0"/>
           </a:p>
           <a:p>
             <a:pPr marL="0" lvl="0" indent="0" algn="l" rtl="0">
@@ -1861,20 +1859,9 @@
               <a:buNone/>
             </a:pPr>
             <a:r>
-              <a:rPr lang="en-CA" dirty="0"/>
-              <a:t>The Methods section particularly is an avalanche of free text, but allows for you to relay documentation you might receive from the data generators on the specific step by step processes that were part of the study that designed, executed, curated, and processed the dataset.</a:t>
-            </a:r>
-          </a:p>
-          <a:p>
-            <a:pPr marL="0" lvl="0" indent="0" algn="l" rtl="0">
-              <a:spcBef>
-                <a:spcPts val="0"/>
-              </a:spcBef>
-              <a:spcAft>
-                <a:spcPts val="0"/>
-              </a:spcAft>
-              <a:buNone/>
-            </a:pPr>
+              <a:rPr lang="fr-FR" dirty="0"/>
+              <a:t>La section Méthodes permet beaucoup de texte libre, mais cela vous permet de relayer la documentation que vous pourriez recevoir de la part des propriétaires des données. Cette section permet de décrire les processus spécifiques étape par étape qui ont permis de réaliser l'étude.</a:t>
+            </a:r>
             <a:endParaRPr lang="en-CA" dirty="0"/>
           </a:p>
           <a:p>
@@ -1887,34 +1874,7 @@
               </a:spcAft>
               <a:buNone/>
             </a:pPr>
-            <a:r>
-              <a:rPr lang="en-CA" dirty="0"/>
-              <a:t>Project data lets you document the central organization or larger effort behind this dataset’s generation and more high-level things like the motivation for </a:t>
-            </a:r>
-            <a:r>
-              <a:rPr lang="en-CA" dirty="0" err="1"/>
-              <a:t>th</a:t>
-            </a:r>
-            <a:r>
-              <a:rPr lang="en-CA" dirty="0"/>
-              <a:t> </a:t>
-            </a:r>
-            <a:r>
-              <a:rPr lang="en-CA" dirty="0" err="1"/>
-              <a:t>eproject</a:t>
-            </a:r>
-            <a:r>
-              <a:rPr lang="en-CA" dirty="0"/>
-              <a:t>, how it was funded, details of the study area and here there may or may not be some overlap with study design. You can make personnel entries attached to this, a name and a role, and the personnel directory and identifier, for instance ORCID, Google Scholar ID, </a:t>
-            </a:r>
-            <a:r>
-              <a:rPr lang="en-CA" dirty="0" err="1"/>
-              <a:t>researcherID</a:t>
-            </a:r>
-            <a:r>
-              <a:rPr lang="en-CA" dirty="0"/>
-              <a:t>, or even LinkedIn</a:t>
-            </a:r>
+            <a:endParaRPr lang="fr-FR" dirty="0"/>
           </a:p>
           <a:p>
             <a:pPr marL="0" lvl="0" indent="0" algn="l" rtl="0">
@@ -1926,29 +1886,97 @@
               </a:spcAft>
               <a:buNone/>
             </a:pPr>
-            <a:endParaRPr lang="en-CA" dirty="0"/>
-          </a:p>
-          <a:p>
-            <a:pPr marL="0" lvl="0" indent="0" algn="l" rtl="0">
-              <a:spcBef>
-                <a:spcPts val="0"/>
-              </a:spcBef>
-              <a:spcAft>
-                <a:spcPts val="0"/>
-              </a:spcAft>
-              <a:buNone/>
-            </a:pPr>
-            <a:r>
-              <a:rPr lang="en-CA" dirty="0"/>
-              <a:t>And finally there’s a section for keywords that lets you include keywords you want to associate with the dataset and optionally which vocabulary you are pulling those keywords from, for instance the Global Change Master Directory is a popular vocab for this field, they have a Earth Science - &gt; Biological Classification section that may provide more relevant eyeballs to the dataset. There’s a browser for GCMD here, but it’s by no means the only thing you may want to use in the Keywords </a:t>
-            </a:r>
-            <a:r>
-              <a:rPr lang="en-CA" dirty="0" err="1"/>
-              <a:t>fieldset</a:t>
-            </a:r>
-            <a:r>
-              <a:rPr lang="en-CA" dirty="0"/>
-              <a:t>. Multiple different keywords sets are allowed to be associated in the metadata, so I would approach this with ‘how do I get the most people possible to find this dataset’</a:t>
+            <a:r>
+              <a:rPr lang="fr-FR" dirty="0"/>
+              <a:t>Il y a aussi une section pour les mots-clés qui vous permet d'inclure les mots-clés que vous souhaitez associer au jeu de données. Il est aussi possible d’y associer de quel vocabulaire vous tirez ces mots-clés, par exemple, le Global Change Master Directory est un vocabulaire populaire pour ce domaine. Ils ont une section sur les sciences de la Terre qui touche la biologie et qui permet donc de choisir un vocabulaire contrôlé (pratique fortement recommandée). Il existe un navigateur pour GCMD ici : </a:t>
+            </a:r>
+            <a:r>
+              <a:rPr lang="en-CA" sz="1200" dirty="0"/>
+              <a:t>https://gcmd.earthdata.nasa.gov/KeywordViewer . À noter que </a:t>
+            </a:r>
+            <a:r>
+              <a:rPr lang="en-CA" sz="1200" dirty="0" err="1"/>
+              <a:t>ce</a:t>
+            </a:r>
+            <a:r>
+              <a:rPr lang="en-CA" sz="1200" dirty="0"/>
+              <a:t> </a:t>
+            </a:r>
+            <a:r>
+              <a:rPr lang="en-CA" sz="1200" dirty="0" err="1"/>
+              <a:t>n’est</a:t>
+            </a:r>
+            <a:r>
+              <a:rPr lang="en-CA" sz="1200" dirty="0"/>
+              <a:t> pas le </a:t>
+            </a:r>
+            <a:r>
+              <a:rPr lang="en-CA" sz="1200" dirty="0" err="1"/>
+              <a:t>seul</a:t>
+            </a:r>
+            <a:r>
+              <a:rPr lang="en-CA" sz="1200" dirty="0"/>
+              <a:t> </a:t>
+            </a:r>
+            <a:r>
+              <a:rPr lang="en-CA" sz="1200" dirty="0" err="1"/>
+              <a:t>vocabulaire</a:t>
+            </a:r>
+            <a:r>
+              <a:rPr lang="en-CA" sz="1200" dirty="0"/>
+              <a:t> qui </a:t>
+            </a:r>
+            <a:r>
+              <a:rPr lang="en-CA" sz="1200" dirty="0" err="1"/>
+              <a:t>peut</a:t>
+            </a:r>
+            <a:r>
+              <a:rPr lang="en-CA" sz="1200" dirty="0"/>
+              <a:t> </a:t>
+            </a:r>
+            <a:r>
+              <a:rPr lang="en-CA" sz="1200" dirty="0" err="1"/>
+              <a:t>être</a:t>
+            </a:r>
+            <a:r>
+              <a:rPr lang="en-CA" sz="1200" dirty="0"/>
+              <a:t> </a:t>
+            </a:r>
+            <a:r>
+              <a:rPr lang="en-CA" sz="1200" dirty="0" err="1"/>
+              <a:t>utilisé</a:t>
+            </a:r>
+            <a:r>
+              <a:rPr lang="en-CA" sz="1200" dirty="0"/>
+              <a:t>. Le but principal de </a:t>
+            </a:r>
+            <a:r>
+              <a:rPr lang="en-CA" sz="1200" dirty="0" err="1"/>
+              <a:t>l’utilisation</a:t>
+            </a:r>
+            <a:r>
+              <a:rPr lang="en-CA" sz="1200" dirty="0"/>
+              <a:t> des mots-</a:t>
+            </a:r>
+            <a:r>
+              <a:rPr lang="en-CA" sz="1200" dirty="0" err="1"/>
+              <a:t>clés</a:t>
+            </a:r>
+            <a:r>
+              <a:rPr lang="en-CA" sz="1200" dirty="0"/>
+              <a:t> </a:t>
+            </a:r>
+            <a:r>
+              <a:rPr lang="en-CA" sz="1200" dirty="0" err="1"/>
+              <a:t>est</a:t>
+            </a:r>
+            <a:r>
+              <a:rPr lang="en-CA" sz="1200" dirty="0"/>
+              <a:t> de</a:t>
+            </a:r>
+            <a:r>
+              <a:rPr lang="fr-FR" dirty="0"/>
+              <a:t> faire en sorte que le plus grand nombre de personnes possible trouve cet ensemble de données.</a:t>
             </a:r>
             <a:endParaRPr dirty="0"/>
           </a:p>
@@ -2055,40 +2083,28 @@
               <a:buNone/>
             </a:pPr>
             <a:r>
+              <a:rPr lang="fr-CA" dirty="0"/>
+              <a:t>L'IPT vous oblige à fournir un nom court. Les noms courts servent d'identifiant pour la ressource dans l'installation IPT (ils doivent donc être uniques dans votre IPT) et seront utilisés comme paramètre dans l'URL pour accéder à la ressource via Internet. La convention consiste à n'utiliser que des caractères alphanumériques, des tirets ou des traits de soulignement, donc pas d'espaces et pas de caractères spéciaux ou de marques. </a:t>
+            </a:r>
+            <a:r>
+              <a:rPr lang="en-CA" dirty="0" err="1"/>
+              <a:t>Exemple</a:t>
+            </a:r>
+            <a:r>
               <a:rPr lang="en-CA" dirty="0"/>
-              <a:t>The IPT requires you to provide a </a:t>
+              <a:t>: </a:t>
             </a:r>
             <a:r>
               <a:rPr lang="en-CA" dirty="0" err="1"/>
-              <a:t>Shortname</a:t>
+              <a:t>largenet_imdans</a:t>
             </a:r>
             <a:r>
               <a:rPr lang="en-CA" dirty="0"/>
-              <a:t>. </a:t>
-            </a:r>
-            <a:r>
-              <a:rPr lang="en-CA" dirty="0" err="1"/>
-              <a:t>Shortnames</a:t>
-            </a:r>
-            <a:r>
-              <a:rPr lang="en-CA" dirty="0"/>
-              <a:t> serve as an identifier for the resource within the IPT installation (so should be unique within your IPT), and will be used as a parameter in the URL to access the resource via the Internet. The convention is to use only alphanumeric characters, hyphens, or </a:t>
-            </a:r>
-            <a:r>
-              <a:rPr lang="en-CA" dirty="0" err="1"/>
-              <a:t>underscoresm</a:t>
-            </a:r>
-            <a:r>
-              <a:rPr lang="en-CA" dirty="0"/>
-              <a:t> so no spaces, and no special characters or marks. E.g. </a:t>
-            </a:r>
-            <a:r>
-              <a:rPr lang="en-CA" dirty="0" err="1"/>
-              <a:t>largenet_im</a:t>
-            </a:r>
-            <a:r>
-              <a:rPr lang="en-CA" dirty="0"/>
-              <a:t> in http://ipt.vliz.be/eurobis/resource?r=largenet_im. After creating a new dataset resource, the field title will be filled out with the short name you provided earlier. Please make sure you provide a dataset title following the guidelines below.</a:t>
+              <a:t> http://ipt.vliz.be/eurobis/resource?r=largenet_im. </a:t>
+            </a:r>
+            <a:r>
+              <a:rPr lang="fr-FR" dirty="0"/>
+              <a:t>Après avoir créé une nouvelle ressource de jeu de données, le titre du champ sera rempli avec le nom court que vous avez fourni précédemment. Veuillez vous assurer de fournir un titre pour le jeu de données en suivant les instructions ci-dessous.</a:t>
             </a:r>
           </a:p>
           <a:p>
@@ -2114,8 +2130,16 @@
               <a:buNone/>
             </a:pPr>
             <a:r>
-              <a:rPr lang="en-CA" dirty="0"/>
-              <a:t>Dataset titles provided to OBIS node managers are often very cryptic, such as an acronym, and often only understandable by the data provider. However, to increase the discoverability and be useful for a larger audience, the dataset title should be as descriptive and complete as possible. OBIS recommends titles to contain information about the taxonomic, geographic and temporal coverage. If the dataset title does not meet these criteria and you believe the title should be changed, then contact the data provider with a suggestion or ask for a more descriptive title. If the dataset has already been published (made publicly available) - and therefore known by that title elsewhere, then the same title should be kept (even if it would not meet the proposed guidelines)! Changing the title of an already published dataset cannot be done, as this will generate confusion and possible duplicates in systems like OBIS or GBIF in a later stage.</a:t>
+              <a:rPr lang="fr-CA" dirty="0"/>
+              <a:t>Les titres des jeux de données fournis aux gestionnaires de nœuds OBIS sont souvent très cryptiques, comme un acronyme, et souvent uniquement compréhensibles par le fournisseur de données. Cependant, pour augmenter la </a:t>
+            </a:r>
+            <a:r>
+              <a:rPr lang="fr-CA" dirty="0" err="1"/>
+              <a:t>découvrabilité</a:t>
+            </a:r>
+            <a:r>
+              <a:rPr lang="fr-CA" dirty="0"/>
+              <a:t> et être utile pour un public plus large, le titre du jeu de données doit être aussi descriptif et complet que possible. OBIS recommande que les titres contiennent des informations sur la couverture taxonomique, géographique et temporelle. Si le titre de l'ensemble de données ne répond pas à ces critères et que vous pensez que le titre devrait être modifié, contactez le fournisseur de données avec une suggestion ou demandez un titre plus descriptif. Si l'ensemble de données a déjà été publié (rendu public) - et donc connu sous ce titre ailleurs, alors le même titre devrait être conservé (même s'il ne répondrait pas aux lignes directrices proposées)! Il est impossible de modifier le titre d'un ensemble de données déjà publié, car cela générera de la confusion et d'éventuels doublons dans des systèmes tels que OBIS ou GBIF à un stade ultérieur.</a:t>
             </a:r>
           </a:p>
           <a:p>
@@ -2141,8 +2165,8 @@
               <a:buNone/>
             </a:pPr>
             <a:r>
-              <a:rPr lang="en-CA" dirty="0"/>
-              <a:t>The acronym or working title could still be documented in the metadata, so there is no confusion about how the full title is linked to the originally provided acronym or working title.</a:t>
+              <a:rPr lang="fr-CA" dirty="0"/>
+              <a:t>L'acronyme ou le titre provisoire peut toujours être documenté dans les métadonnées, il n'y a donc aucune confusion quant à la manière dont le titre complet est lié à l'acronyme ou au titre provisoire fourni à l'origine.</a:t>
             </a:r>
             <a:endParaRPr dirty="0"/>
           </a:p>
@@ -2249,12 +2273,16 @@
               <a:buNone/>
             </a:pPr>
             <a:r>
-              <a:rPr lang="en-CA" dirty="0"/>
-              <a:t>Brief description of the data resource.  If you are providing a subset or a generalization / averaging of the complete source data, you can flag it here and also in </a:t>
-            </a:r>
-            <a:r>
-              <a:rPr lang="en-CA" dirty="0" err="1"/>
+              <a:rPr lang="fr-CA" dirty="0"/>
+              <a:t>Brève description de la ressource de données. Si vous fournissez un sous-ensemble ou une généralisation provenant de données sources plus complètes, vous pouvez le marquer ici et également dans </a:t>
+            </a:r>
+            <a:r>
+              <a:rPr lang="fr-CA" dirty="0" err="1"/>
               <a:t>dataGeneralizations</a:t>
+            </a:r>
+            <a:r>
+              <a:rPr lang="fr-CA" dirty="0"/>
+              <a:t> dans le fichier.</a:t>
             </a:r>
             <a:endParaRPr lang="en-CA" dirty="0"/>
           </a:p>
@@ -2280,21 +2308,9 @@
               </a:spcAft>
               <a:buNone/>
             </a:pPr>
-            <a:endParaRPr lang="en-CA" dirty="0"/>
-          </a:p>
-          <a:p>
-            <a:pPr marL="0" lvl="0" indent="0" algn="l" rtl="0">
-              <a:spcBef>
-                <a:spcPts val="0"/>
-              </a:spcBef>
-              <a:spcAft>
-                <a:spcPts val="0"/>
-              </a:spcAft>
-              <a:buNone/>
-            </a:pPr>
-            <a:r>
-              <a:rPr lang="en-CA" dirty="0"/>
-              <a:t>Bilingual abstracts can be supported with this procedure</a:t>
+            <a:r>
+              <a:rPr lang="fr-CA" dirty="0"/>
+              <a:t>Les résumés bilingues peuvent être pris en charge avec cette procédure.</a:t>
             </a:r>
           </a:p>
           <a:p>
@@ -2320,10 +2336,9 @@
               <a:buNone/>
             </a:pPr>
             <a:r>
-              <a:rPr lang="en-CA" dirty="0"/>
-              <a:t>The newer versions of the EML schema have more accommodation for multilingual abstracts, taking advantage of the attributes in the XML to denote language. this could be a development request, or could be part of a can of worms</a:t>
-            </a:r>
-            <a:endParaRPr dirty="0"/>
+              <a:rPr lang="fr-CA" dirty="0"/>
+              <a:t>Les nouvelles versions du schéma EML sont plus adaptées aux résumés multilingues, tirant parti des attributs du XML pour désigner la langue. cela pourrait être une demande de développement futur dans les métadonnées supportées par OBIS.</a:t>
+            </a:r>
           </a:p>
         </p:txBody>
       </p:sp>
@@ -2428,8 +2443,8 @@
               <a:buNone/>
             </a:pPr>
             <a:r>
-              <a:rPr lang="en-CA" dirty="0"/>
-              <a:t>The resource contact is the person or organization that curates the resource and who should be contacted to get more information or to whom questions with the resource or data should be addressed. Although a number of fields are not required, it is strongly recommend to provide as much information as possible, and in particular the email address. This will also be the contact information that appears on the OBIS metadata pages.</a:t>
+              <a:rPr lang="fr-CA" dirty="0"/>
+              <a:t>Le contact de la ressource est la personne ou l'organisation qui gère la ressource et qui doit être contactée pour obtenir plus d'informations ou à qui les questions concernant la ressource ou les données doivent être adressées. Bien qu'un certain nombre de champs ne soient pas obligatoires, il est fortement recommandé de fournir le plus d'informations possible, et en particulier l'adresse e-mail. Ce seront également les informations de contact qui apparaissent sur les pages de métadonnées OBIS.</a:t>
             </a:r>
           </a:p>
           <a:p>
@@ -2455,9 +2470,10 @@
               <a:buNone/>
             </a:pPr>
             <a:r>
-              <a:rPr lang="en-CA" dirty="0"/>
-              <a:t>The resource creator is the person or organization responsible for the original creation of the resource content. When there are multiple creators, the one that bears the greatest responsibility is the resource creator, and other people can be added as associated parties with a role such as ‘originator’, ‘content provider’, ‘principle investigator’, etc.</a:t>
-            </a:r>
+              <a:rPr lang="fr-CA" dirty="0"/>
+              <a:t>Le créateur de la ressource est la personne ou l'organisation responsable de la création originale du contenu de la ressource. Lorsqu'il y a plusieurs créateurs, celui qui porte la plus grande responsabilité est le créateur de la ressource, et d'autres personnes peuvent être ajoutées en tant que parties associées avec un rôle tel que «créateur», «fournisseur de contenu», «chercheur principal», etc.</a:t>
+            </a:r>
+            <a:endParaRPr lang="en-CA" dirty="0"/>
           </a:p>
           <a:p>
             <a:pPr marL="0" lvl="0" indent="0" algn="l" rtl="0">
@@ -2482,79 +2498,9 @@
               <a:buNone/>
             </a:pPr>
             <a:r>
-              <a:rPr lang="en-CA" dirty="0"/>
-              <a:t>Possible functions/roles:</a:t>
-            </a:r>
-          </a:p>
-          <a:p>
-            <a:pPr marL="0" lvl="0" indent="0" algn="l" rtl="0">
-              <a:spcBef>
-                <a:spcPts val="0"/>
-              </a:spcBef>
-              <a:spcAft>
-                <a:spcPts val="0"/>
-              </a:spcAft>
-              <a:buNone/>
-            </a:pPr>
-            <a:endParaRPr lang="en-CA" dirty="0"/>
-          </a:p>
-          <a:p>
-            <a:pPr marL="0" lvl="0" indent="0" algn="l" rtl="0">
-              <a:spcBef>
-                <a:spcPts val="0"/>
-              </a:spcBef>
-              <a:spcAft>
-                <a:spcPts val="0"/>
-              </a:spcAft>
-              <a:buNone/>
-            </a:pPr>
-            <a:r>
-              <a:rPr lang="en-CA" dirty="0"/>
-              <a:t>    Originator (person/organization that originally gathered/prepared the dataset)</a:t>
-            </a:r>
-          </a:p>
-          <a:p>
-            <a:pPr marL="0" lvl="0" indent="0" algn="l" rtl="0">
-              <a:spcBef>
-                <a:spcPts val="0"/>
-              </a:spcBef>
-              <a:spcAft>
-                <a:spcPts val="0"/>
-              </a:spcAft>
-              <a:buNone/>
-            </a:pPr>
-            <a:r>
-              <a:rPr lang="en-CA" dirty="0"/>
-              <a:t>    Content provider (principal person/organization that contributed content to the dataset)</a:t>
-            </a:r>
-          </a:p>
-          <a:p>
-            <a:pPr marL="0" lvl="0" indent="0" algn="l" rtl="0">
-              <a:spcBef>
-                <a:spcPts val="0"/>
-              </a:spcBef>
-              <a:spcAft>
-                <a:spcPts val="0"/>
-              </a:spcAft>
-              <a:buNone/>
-            </a:pPr>
-            <a:endParaRPr lang="en-CA" dirty="0"/>
-          </a:p>
-          <a:p>
-            <a:pPr marL="0" lvl="0" indent="0" algn="l" rtl="0">
-              <a:spcBef>
-                <a:spcPts val="0"/>
-              </a:spcBef>
-              <a:spcAft>
-                <a:spcPts val="0"/>
-              </a:spcAft>
-              <a:buNone/>
-            </a:pPr>
-            <a:r>
-              <a:rPr lang="en-CA" dirty="0"/>
-              <a:t>If you’re building EML via the IPT you’ll see pre-created forms for the few roles they want you to fill out by default, and the option to add more personnel and roles below those. Each role lays out name, position, org, contact info, plus a Personnel Directory/Identifier dropdown</a:t>
-            </a:r>
-            <a:endParaRPr dirty="0"/>
+              <a:rPr lang="fr-CA" dirty="0"/>
+              <a:t>Si vous créez EML via l'IPT, vous verrez des formulaires pré-créés pour les quelques rôles qu'ils souhaitent que vous remplissiez par défaut, ainsi que la possibilité d'ajouter plus de personnes et de rôles en dessous de ceux-ci. Chaque rôle présente le nom, le poste, l'organisation, les informations de contact, ainsi qu'une liste déroulante Répertoire du personnel / Identifiant du personnel.</a:t>
+            </a:r>
           </a:p>
         </p:txBody>
       </p:sp>
@@ -2659,8 +2605,8 @@
               <a:buNone/>
             </a:pPr>
             <a:r>
-              <a:rPr lang="en-CA" dirty="0"/>
-              <a:t>Citations</a:t>
+              <a:rPr lang="fr-FR" dirty="0"/>
+              <a:t>La citation permet aux utilisateurs de citer correctement le jeu de données dans d'autres publications ou d'autres utilisations des données. La citation d’un jeu de données est différente de la citation d’une source de données (dans le cas où les données sont numérisées à partir d'une publication), et ces références peuvent être ajoutées aux métadonnées supplémentaires. Une citation de jeu de données peut avoir le même format qu'une citation d'article de revue, et doit inclure les auteurs (contact, créateur, chercheur principal, gestionnaires de données, dépositaires, collecteurs…), le titre de l'ensemble de données, le nom de l'éditeur de données (ou l’institut qui conserve les données) et l'URL du point d'accès à la ressource.</a:t>
             </a:r>
           </a:p>
           <a:p>
@@ -2686,8 +2632,8 @@
               <a:buNone/>
             </a:pPr>
             <a:r>
-              <a:rPr lang="en-CA" dirty="0"/>
-              <a:t>The dataset citation allows users to properly cite the datasets in further publications or other uses of the data. </a:t>
+              <a:rPr lang="fr-FR" dirty="0"/>
+              <a:t>Il existe un générateur de citations intégré dans l’IPT que vous pouvez activer ou désactiver. Les citations incluent un numéro de version pour les ensembles de données qui sont mis à jour en permanence, et peuvent également inclure un identificateur de citation, donc un DOI / ou un autre identificateur de ressource universel persistant, qui se résoudra en une ressource externe. Vous pouvez fournir votre propre format pour la citation, mais je ne pense pas qu'ils vous permettront de le modéliser encore en utilisant d'autres variables dans les métadonnées. De plus, si vous fournissez votre propre format de citation, lorsqu'il est publié sur le GBIF, il est remplacé par la citation automatique sur les pages des jeux de données gbif.org. Pour eux, c'est une question de standardisation plutôt que de personnalisation, mais ils ont laissé une ligne ouverte au helpdesk GBIF pour les personnes qui ne peuvent vraiment pas accepter cela et doivent fournir un profil de citation spécifique.</a:t>
             </a:r>
           </a:p>
           <a:p>
@@ -2700,10 +2646,7 @@
               </a:spcAft>
               <a:buNone/>
             </a:pPr>
-            <a:r>
-              <a:rPr lang="en-CA" dirty="0"/>
-              <a:t>A dataset citation is different from the data source citation (in case the data is digitized from a publication), and these references can be added to the additional metadata. A dataset citation can have the same format of a journal article citation, and should include the authors (contact, creator, principle investigator, data managers, custodians, collectors…), the title of the dataset, the name of the data publisher (or custodian institute), and the access point URL to the resource.</a:t>
-            </a:r>
+            <a:endParaRPr lang="fr-CA" dirty="0"/>
           </a:p>
           <a:p>
             <a:pPr marL="0" lvl="0" indent="0" algn="l" rtl="0">
@@ -2715,48 +2658,9 @@
               </a:spcAft>
               <a:buNone/>
             </a:pPr>
-            <a:endParaRPr lang="en-CA" dirty="0"/>
-          </a:p>
-          <a:p>
-            <a:pPr marL="0" lvl="0" indent="0" algn="l" rtl="0">
-              <a:spcBef>
-                <a:spcPts val="0"/>
-              </a:spcBef>
-              <a:spcAft>
-                <a:spcPts val="0"/>
-              </a:spcAft>
-              <a:buNone/>
-            </a:pPr>
-            <a:r>
-              <a:rPr lang="en-CA" dirty="0"/>
-              <a:t>There’s a citation generator built into the GBIF IPT that you can turn on or off. Citations include a version number for datasets that get updated continually, and can also include a Citation Identifier, so a DOI/or other persistent universal resource identifier, that will resolve to some external resource. You can supply your own format for citation but I don’t believe they will let you template it yet using other variables in the metadata. Also, if you supply your own citation format, when it’s published to GBIF, that gets replaced with the auto-citation on the gbif.org dataset pages. For them, it’s a matter of standardization over customization, but they’ve left a line open at the GBIF helpdesk for people who truly cannot abide this, and must provide a specific citation profile.</a:t>
-            </a:r>
-          </a:p>
-          <a:p>
-            <a:pPr marL="0" lvl="0" indent="0" algn="l" rtl="0">
-              <a:spcBef>
-                <a:spcPts val="0"/>
-              </a:spcBef>
-              <a:spcAft>
-                <a:spcPts val="0"/>
-              </a:spcAft>
-              <a:buNone/>
-            </a:pPr>
-            <a:endParaRPr lang="en-CA" dirty="0"/>
-          </a:p>
-          <a:p>
-            <a:pPr marL="0" lvl="0" indent="0" algn="l" rtl="0">
-              <a:spcBef>
-                <a:spcPts val="0"/>
-              </a:spcBef>
-              <a:spcAft>
-                <a:spcPts val="0"/>
-              </a:spcAft>
-              <a:buNone/>
-            </a:pPr>
-            <a:r>
-              <a:rPr lang="en-CA" dirty="0"/>
-              <a:t>Here’s the formula the citation generator uses, and here’s an example of how that works in practice.</a:t>
+            <a:r>
+              <a:rPr lang="fr-CA" dirty="0"/>
+              <a:t>Voici la formule utilisée par le générateur de citations, et voici un exemple de son fonctionnement dans la pratique.</a:t>
             </a:r>
             <a:endParaRPr dirty="0"/>
           </a:p>
@@ -2863,9 +2767,26 @@
               <a:buNone/>
             </a:pPr>
             <a:r>
-              <a:rPr lang="en-CA" dirty="0"/>
-              <a:t>So, we won’t do this just yet, but it’s worth highlighting that even despite the version mismatch, due to the two platforms having a shared understanding of EML we can take a dataset that’s been published on an IPT, and register it with a Pensoft journal as a ‘data paper’, simply by exporting the EML and importing it to the appropriate Pensoft journal of our choice.</a:t>
-            </a:r>
+              <a:rPr lang="fr-FR" dirty="0"/>
+              <a:t>Nous n’aborderons pas plus le sujet pour le moment, mais il convient de souligner que même malgré la non-concordance de version, en raison des deux plates-formes ayant une compréhension commune du format EML, nous pouvons prendre un ensemble de données qui a été publié sur un IPT et l'enregistrer avec un Journal </a:t>
+            </a:r>
+            <a:r>
+              <a:rPr lang="fr-FR" dirty="0" err="1"/>
+              <a:t>Pensoft</a:t>
+            </a:r>
+            <a:r>
+              <a:rPr lang="fr-FR" dirty="0"/>
+              <a:t> en tant que «papier de données», simplement en exportant l'EML et en l'important dans le journal </a:t>
+            </a:r>
+            <a:r>
+              <a:rPr lang="fr-FR" dirty="0" err="1"/>
+              <a:t>Pensoft</a:t>
+            </a:r>
+            <a:r>
+              <a:rPr lang="fr-FR" dirty="0"/>
+              <a:t> approprié de notre choix.</a:t>
+            </a:r>
+            <a:endParaRPr lang="en-CA" dirty="0"/>
           </a:p>
         </p:txBody>
       </p:sp>
@@ -3632,7 +3553,7 @@
             </a:pPr>
             <a:fld id="{00000000-1234-1234-1234-123412341234}" type="slidenum">
               <a:rPr lang="en-US"/>
-              <a:t>‹#›</a:t>
+              <a:t>‹N°›</a:t>
             </a:fld>
             <a:endParaRPr/>
           </a:p>
@@ -4172,7 +4093,7 @@
             </a:pPr>
             <a:fld id="{00000000-1234-1234-1234-123412341234}" type="slidenum">
               <a:rPr lang="en-US"/>
-              <a:t>‹#›</a:t>
+              <a:t>‹N°›</a:t>
             </a:fld>
             <a:endParaRPr/>
           </a:p>
@@ -4936,7 +4857,7 @@
             </a:pPr>
             <a:fld id="{00000000-1234-1234-1234-123412341234}" type="slidenum">
               <a:rPr lang="en-US"/>
-              <a:t>‹#›</a:t>
+              <a:t>‹N°›</a:t>
             </a:fld>
             <a:endParaRPr/>
           </a:p>
@@ -5850,7 +5771,7 @@
             </a:pPr>
             <a:fld id="{00000000-1234-1234-1234-123412341234}" type="slidenum">
               <a:rPr lang="en-US"/>
-              <a:t>‹#›</a:t>
+              <a:t>‹N°›</a:t>
             </a:fld>
             <a:endParaRPr/>
           </a:p>
@@ -7138,7 +7059,7 @@
             </a:pPr>
             <a:fld id="{00000000-1234-1234-1234-123412341234}" type="slidenum">
               <a:rPr lang="en-US"/>
-              <a:t>‹#›</a:t>
+              <a:t>‹N°›</a:t>
             </a:fld>
             <a:endParaRPr/>
           </a:p>
@@ -8053,7 +7974,7 @@
             </a:pPr>
             <a:fld id="{00000000-1234-1234-1234-123412341234}" type="slidenum">
               <a:rPr lang="en-US"/>
-              <a:t>‹#›</a:t>
+              <a:t>‹N°›</a:t>
             </a:fld>
             <a:endParaRPr/>
           </a:p>
@@ -9049,7 +8970,7 @@
             </a:pPr>
             <a:fld id="{00000000-1234-1234-1234-123412341234}" type="slidenum">
               <a:rPr lang="en-US"/>
-              <a:t>‹#›</a:t>
+              <a:t>‹N°›</a:t>
             </a:fld>
             <a:endParaRPr/>
           </a:p>
@@ -9776,7 +9697,7 @@
             </a:pPr>
             <a:fld id="{00000000-1234-1234-1234-123412341234}" type="slidenum">
               <a:rPr lang="en-US"/>
-              <a:t>‹#›</a:t>
+              <a:t>‹N°›</a:t>
             </a:fld>
             <a:endParaRPr/>
           </a:p>
@@ -10503,7 +10424,7 @@
             </a:pPr>
             <a:fld id="{00000000-1234-1234-1234-123412341234}" type="slidenum">
               <a:rPr lang="en-US"/>
-              <a:t>‹#›</a:t>
+              <a:t>‹N°›</a:t>
             </a:fld>
             <a:endParaRPr/>
           </a:p>
@@ -11549,7 +11470,7 @@
             </a:pPr>
             <a:fld id="{00000000-1234-1234-1234-123412341234}" type="slidenum">
               <a:rPr lang="en-US"/>
-              <a:t>‹#›</a:t>
+              <a:t>‹N°›</a:t>
             </a:fld>
             <a:endParaRPr/>
           </a:p>
@@ -12333,7 +12254,7 @@
           <a:p>
             <a:r>
               <a:rPr lang="en-CA" b="1" dirty="0"/>
-              <a:t>Ecological Metadata Language</a:t>
+              <a:t>Ecological Metadata Language (EML)</a:t>
             </a:r>
             <a:br>
               <a:rPr lang="en-CA" b="1" dirty="0"/>
@@ -12364,9 +12285,18 @@
           <a:lstStyle/>
           <a:p>
             <a:r>
+              <a:rPr lang="en-CA" dirty="0" err="1"/>
+              <a:t>Norme</a:t>
+            </a:r>
+            <a:r>
               <a:rPr lang="en-CA" dirty="0"/>
-              <a:t>Metadata Standards</a:t>
-            </a:r>
+              <a:t> pour les </a:t>
+            </a:r>
+            <a:r>
+              <a:rPr lang="en-CA" dirty="0" err="1"/>
+              <a:t>métadonnées</a:t>
+            </a:r>
+            <a:endParaRPr lang="en-CA" dirty="0"/>
           </a:p>
         </p:txBody>
       </p:sp>
@@ -12478,8 +12408,16 @@
               <a:buNone/>
             </a:pPr>
             <a:r>
+              <a:rPr lang="en-US" dirty="0" err="1"/>
+              <a:t>Norme</a:t>
+            </a:r>
+            <a:r>
               <a:rPr lang="en-US" dirty="0"/>
-              <a:t>Metadata standards</a:t>
+              <a:t> de </a:t>
+            </a:r>
+            <a:r>
+              <a:rPr lang="en-US" dirty="0" err="1"/>
+              <a:t>métadonnées</a:t>
             </a:r>
             <a:endParaRPr dirty="0"/>
           </a:p>
@@ -12520,7 +12458,7 @@
               <a:buNone/>
             </a:pPr>
             <a:r>
-              <a:rPr lang="en-US" sz="1800" dirty="0">
+              <a:rPr lang="fr-CA" sz="1800" dirty="0">
                 <a:solidFill>
                   <a:schemeClr val="dk1"/>
                 </a:solidFill>
@@ -12529,9 +12467,80 @@
                 <a:cs typeface="Calibri"/>
                 <a:sym typeface="Calibri"/>
               </a:rPr>
-              <a:t>OBIS (and GBIF) uses the Ecological Metadata Language (EML), in more particularly the GBIF EML profile (version 1.1), as its metadata standard.</a:t>
-            </a:r>
-            <a:endParaRPr dirty="0"/>
+              <a:t>OBIS (et GBIF) utilise l'</a:t>
+            </a:r>
+            <a:r>
+              <a:rPr lang="fr-CA" sz="1800" dirty="0" err="1">
+                <a:solidFill>
+                  <a:schemeClr val="dk1"/>
+                </a:solidFill>
+                <a:latin typeface="Calibri"/>
+                <a:ea typeface="Calibri"/>
+                <a:cs typeface="Calibri"/>
+                <a:sym typeface="Calibri"/>
+              </a:rPr>
+              <a:t>Ecological</a:t>
+            </a:r>
+            <a:r>
+              <a:rPr lang="fr-CA" sz="1800" dirty="0">
+                <a:solidFill>
+                  <a:schemeClr val="dk1"/>
+                </a:solidFill>
+                <a:latin typeface="Calibri"/>
+                <a:ea typeface="Calibri"/>
+                <a:cs typeface="Calibri"/>
+                <a:sym typeface="Calibri"/>
+              </a:rPr>
+              <a:t> </a:t>
+            </a:r>
+            <a:r>
+              <a:rPr lang="fr-CA" sz="1800" dirty="0" err="1">
+                <a:solidFill>
+                  <a:schemeClr val="dk1"/>
+                </a:solidFill>
+                <a:latin typeface="Calibri"/>
+                <a:ea typeface="Calibri"/>
+                <a:cs typeface="Calibri"/>
+                <a:sym typeface="Calibri"/>
+              </a:rPr>
+              <a:t>Metadata</a:t>
+            </a:r>
+            <a:r>
+              <a:rPr lang="fr-CA" sz="1800" dirty="0">
+                <a:solidFill>
+                  <a:schemeClr val="dk1"/>
+                </a:solidFill>
+                <a:latin typeface="Calibri"/>
+                <a:ea typeface="Calibri"/>
+                <a:cs typeface="Calibri"/>
+                <a:sym typeface="Calibri"/>
+              </a:rPr>
+              <a:t> </a:t>
+            </a:r>
+            <a:r>
+              <a:rPr lang="fr-CA" sz="1800" dirty="0" err="1">
+                <a:solidFill>
+                  <a:schemeClr val="dk1"/>
+                </a:solidFill>
+                <a:latin typeface="Calibri"/>
+                <a:ea typeface="Calibri"/>
+                <a:cs typeface="Calibri"/>
+                <a:sym typeface="Calibri"/>
+              </a:rPr>
+              <a:t>Language</a:t>
+            </a:r>
+            <a:r>
+              <a:rPr lang="fr-CA" sz="1800" dirty="0">
+                <a:solidFill>
+                  <a:schemeClr val="dk1"/>
+                </a:solidFill>
+                <a:latin typeface="Calibri"/>
+                <a:ea typeface="Calibri"/>
+                <a:cs typeface="Calibri"/>
+                <a:sym typeface="Calibri"/>
+              </a:rPr>
+              <a:t> (EML), en particulier le profil GBIF EML (version 1.1), comme norme de métadonnées.</a:t>
+            </a:r>
           </a:p>
           <a:p>
             <a:pPr marL="0" marR="0" lvl="0" indent="0" algn="l" rtl="0">
@@ -12543,7 +12552,7 @@
               </a:spcAft>
               <a:buNone/>
             </a:pPr>
-            <a:endParaRPr sz="1800" dirty="0">
+            <a:endParaRPr lang="en-US" sz="1800" dirty="0">
               <a:solidFill>
                 <a:schemeClr val="dk1"/>
               </a:solidFill>
@@ -12573,7 +12582,19 @@
                 <a:cs typeface="Calibri"/>
                 <a:sym typeface="Calibri"/>
               </a:rPr>
-              <a:t>The Integrated Publishing Toolkit (IPT) developed by GBIF provides an online interface to manually fill in the EML terms.</a:t>
+              <a:t>L’IPT (Integrated Publishing Toolkit) </a:t>
+            </a:r>
+            <a:r>
+              <a:rPr lang="fr-CA" sz="1800" dirty="0">
+                <a:solidFill>
+                  <a:schemeClr val="dk1"/>
+                </a:solidFill>
+                <a:latin typeface="Calibri"/>
+                <a:ea typeface="Calibri"/>
+                <a:cs typeface="Calibri"/>
+                <a:sym typeface="Calibri"/>
+              </a:rPr>
+              <a:t>développée par GBIF fournit une interface en ligne pour remplir manuellement les termes EML.</a:t>
             </a:r>
             <a:endParaRPr dirty="0"/>
           </a:p>
@@ -12587,7 +12608,7 @@
         </p:nvSpPr>
         <p:spPr>
           <a:xfrm>
-            <a:off x="6145763" y="3754496"/>
+            <a:off x="5753877" y="3885125"/>
             <a:ext cx="7496700" cy="461700"/>
           </a:xfrm>
           <a:prstGeom prst="rect">
@@ -12623,7 +12644,7 @@
                 <a:cs typeface="Calibri"/>
                 <a:sym typeface="Calibri"/>
               </a:rPr>
-              <a:t>OBIS Manual: </a:t>
+              <a:t>Manuel OBIS : </a:t>
             </a:r>
             <a:r>
               <a:rPr lang="en-US" sz="2400" u="sng" dirty="0">
@@ -12773,10 +12794,18 @@
               <a:buNone/>
             </a:pPr>
             <a:r>
-              <a:rPr lang="en-US"/>
-              <a:t>Metadata standards</a:t>
-            </a:r>
-            <a:endParaRPr/>
+              <a:rPr lang="en-US" dirty="0" err="1"/>
+              <a:t>Norme</a:t>
+            </a:r>
+            <a:r>
+              <a:rPr lang="en-US" dirty="0"/>
+              <a:t> de </a:t>
+            </a:r>
+            <a:r>
+              <a:rPr lang="en-US" dirty="0" err="1"/>
+              <a:t>métadonnées</a:t>
+            </a:r>
+            <a:endParaRPr dirty="0"/>
           </a:p>
         </p:txBody>
       </p:sp>
@@ -12815,7 +12844,7 @@
               <a:buNone/>
             </a:pPr>
             <a:r>
-              <a:rPr lang="en-US" sz="1800" b="1" dirty="0">
+              <a:rPr lang="en-US" sz="1800" b="1" dirty="0" err="1">
                 <a:solidFill>
                   <a:srgbClr val="FF0000"/>
                 </a:solidFill>
@@ -12824,7 +12853,19 @@
                 <a:cs typeface="Calibri"/>
                 <a:sym typeface="Calibri"/>
               </a:rPr>
-              <a:t>Required by OBIS</a:t>
+              <a:t>Requis</a:t>
+            </a:r>
+            <a:r>
+              <a:rPr lang="en-US" sz="1800" b="1" dirty="0">
+                <a:solidFill>
+                  <a:srgbClr val="FF0000"/>
+                </a:solidFill>
+                <a:latin typeface="Calibri"/>
+                <a:ea typeface="Calibri"/>
+                <a:cs typeface="Calibri"/>
+                <a:sym typeface="Calibri"/>
+              </a:rPr>
+              <a:t> pour OBIS</a:t>
             </a:r>
             <a:endParaRPr sz="1800" b="1" dirty="0">
               <a:solidFill>
@@ -12846,7 +12887,7 @@
         </p:nvSpPr>
         <p:spPr>
           <a:xfrm>
-            <a:off x="838200" y="2034456"/>
+            <a:off x="739008" y="2049507"/>
             <a:ext cx="10149900" cy="3693300"/>
           </a:xfrm>
           <a:prstGeom prst="rect">
@@ -12873,7 +12914,7 @@
               <a:buNone/>
             </a:pPr>
             <a:r>
-              <a:rPr lang="en-US" sz="1800" dirty="0">
+              <a:rPr lang="fr-CA" sz="1800" dirty="0">
                 <a:solidFill>
                   <a:schemeClr val="dk1"/>
                 </a:solidFill>
@@ -12882,7 +12923,7 @@
                 <a:cs typeface="Calibri"/>
                 <a:sym typeface="Calibri"/>
               </a:rPr>
-              <a:t>EML TERMS </a:t>
+              <a:t>Termes provenant du EML</a:t>
             </a:r>
             <a:endParaRPr dirty="0"/>
           </a:p>
@@ -12927,7 +12968,7 @@
               <a:buChar char="-"/>
             </a:pPr>
             <a:r>
-              <a:rPr lang="en-US" sz="1800" dirty="0">
+              <a:rPr lang="fr-CA" sz="1800" dirty="0">
                 <a:solidFill>
                   <a:srgbClr val="FF0000"/>
                 </a:solidFill>
@@ -12936,7 +12977,7 @@
                 <a:cs typeface="Calibri"/>
                 <a:sym typeface="Calibri"/>
               </a:rPr>
-              <a:t>Title</a:t>
+              <a:t>Titre</a:t>
             </a:r>
             <a:endParaRPr dirty="0"/>
           </a:p>
@@ -12961,11 +13002,10 @@
                   <a:srgbClr val="FF0000"/>
                 </a:solidFill>
                 <a:latin typeface="Calibri"/>
-                <a:ea typeface="Calibri"/>
                 <a:cs typeface="Calibri"/>
                 <a:sym typeface="Calibri"/>
               </a:rPr>
-              <a:t>Abstract</a:t>
+              <a:t>Extrait</a:t>
             </a:r>
             <a:endParaRPr dirty="0"/>
           </a:p>
@@ -13043,7 +13083,7 @@
               <a:buChar char="-"/>
             </a:pPr>
             <a:r>
-              <a:rPr lang="en-US" sz="1800" dirty="0" err="1">
+              <a:rPr lang="fr-CA" sz="1800" dirty="0">
                 <a:solidFill>
                   <a:schemeClr val="dk1"/>
                 </a:solidFill>
@@ -13052,7 +13092,7 @@
                 <a:cs typeface="Calibri"/>
                 <a:sym typeface="Calibri"/>
               </a:rPr>
-              <a:t>geographicCoverage</a:t>
+              <a:t>Couverture géographique</a:t>
             </a:r>
             <a:endParaRPr sz="1800" dirty="0">
               <a:solidFill>
@@ -13080,7 +13120,7 @@
               <a:buChar char="-"/>
             </a:pPr>
             <a:r>
-              <a:rPr lang="en-US" sz="1800" dirty="0" err="1">
+              <a:rPr lang="en-US" sz="1800" dirty="0">
                 <a:solidFill>
                   <a:schemeClr val="dk1"/>
                 </a:solidFill>
@@ -13089,7 +13129,19 @@
                 <a:cs typeface="Calibri"/>
                 <a:sym typeface="Calibri"/>
               </a:rPr>
-              <a:t>temporalCoverage</a:t>
+              <a:t>Couverture </a:t>
+            </a:r>
+            <a:r>
+              <a:rPr lang="en-US" sz="1800" dirty="0" err="1">
+                <a:solidFill>
+                  <a:schemeClr val="dk1"/>
+                </a:solidFill>
+                <a:latin typeface="Calibri"/>
+                <a:ea typeface="Calibri"/>
+                <a:cs typeface="Calibri"/>
+                <a:sym typeface="Calibri"/>
+              </a:rPr>
+              <a:t>temporelle</a:t>
             </a:r>
             <a:endParaRPr sz="1800" dirty="0">
               <a:solidFill>
@@ -13117,7 +13169,46 @@
               <a:buChar char="-"/>
             </a:pPr>
             <a:r>
+              <a:rPr lang="en-US" sz="1800" dirty="0">
+                <a:solidFill>
+                  <a:schemeClr val="dk1"/>
+                </a:solidFill>
+                <a:latin typeface="Calibri"/>
+                <a:cs typeface="Calibri"/>
+                <a:sym typeface="Calibri"/>
+              </a:rPr>
+              <a:t>Couverture </a:t>
+            </a:r>
+            <a:r>
               <a:rPr lang="en-US" sz="1800" dirty="0" err="1">
+                <a:solidFill>
+                  <a:schemeClr val="dk1"/>
+                </a:solidFill>
+                <a:latin typeface="Calibri"/>
+                <a:cs typeface="Calibri"/>
+                <a:sym typeface="Calibri"/>
+              </a:rPr>
+              <a:t>taxonomique</a:t>
+            </a:r>
+            <a:endParaRPr dirty="0"/>
+          </a:p>
+          <a:p>
+            <a:pPr marL="214312" marR="0" lvl="0" indent="-214312" algn="l" rtl="0">
+              <a:spcBef>
+                <a:spcPts val="0"/>
+              </a:spcBef>
+              <a:spcAft>
+                <a:spcPts val="0"/>
+              </a:spcAft>
+              <a:buClr>
+                <a:schemeClr val="dk1"/>
+              </a:buClr>
+              <a:buSzPts val="1800"/>
+              <a:buFont typeface="Arial"/>
+              <a:buChar char="-"/>
+            </a:pPr>
+            <a:r>
+              <a:rPr lang="fr-CA" sz="1800" dirty="0">
                 <a:solidFill>
                   <a:schemeClr val="dk1"/>
                 </a:solidFill>
@@ -13126,10 +13217,27 @@
                 <a:cs typeface="Calibri"/>
                 <a:sym typeface="Calibri"/>
               </a:rPr>
-              <a:t>taxonomicCoverage</a:t>
-            </a:r>
-            <a:r>
-              <a:rPr lang="en-US" sz="1800" dirty="0">
+              <a:t>But</a:t>
+            </a:r>
+            <a:endParaRPr dirty="0"/>
+          </a:p>
+          <a:p>
+            <a:pPr marL="214312" marR="0" lvl="0" indent="-214312" algn="l" rtl="0">
+              <a:spcBef>
+                <a:spcPts val="0"/>
+              </a:spcBef>
+              <a:spcAft>
+                <a:spcPts val="0"/>
+              </a:spcAft>
+              <a:buClr>
+                <a:schemeClr val="dk1"/>
+              </a:buClr>
+              <a:buSzPts val="1800"/>
+              <a:buFont typeface="Arial"/>
+              <a:buChar char="-"/>
+            </a:pPr>
+            <a:r>
+              <a:rPr lang="en-US" sz="1800" dirty="0" err="1">
                 <a:solidFill>
                   <a:schemeClr val="dk1"/>
                 </a:solidFill>
@@ -13138,7 +13246,43 @@
                 <a:cs typeface="Calibri"/>
                 <a:sym typeface="Calibri"/>
               </a:rPr>
-              <a:t> </a:t>
+              <a:t>Méthodes</a:t>
+            </a:r>
+            <a:r>
+              <a:rPr lang="en-US" sz="1800" dirty="0">
+                <a:solidFill>
+                  <a:schemeClr val="dk1"/>
+                </a:solidFill>
+                <a:latin typeface="Calibri"/>
+                <a:ea typeface="Calibri"/>
+                <a:cs typeface="Calibri"/>
+                <a:sym typeface="Calibri"/>
+              </a:rPr>
+              <a:t> (</a:t>
+            </a:r>
+            <a:r>
+              <a:rPr lang="fr-CA" sz="1800" dirty="0">
+                <a:solidFill>
+                  <a:schemeClr val="dk1"/>
+                </a:solidFill>
+                <a:latin typeface="Calibri"/>
+                <a:ea typeface="Calibri"/>
+                <a:cs typeface="Calibri"/>
+                <a:sym typeface="Calibri"/>
+              </a:rPr>
+              <a:t>étendue de l'étude, échantillonnage, Qualité/contrôle, description des étapes</a:t>
+            </a:r>
+            <a:r>
+              <a:rPr lang="en-US" sz="1800" dirty="0">
+                <a:solidFill>
+                  <a:schemeClr val="dk1"/>
+                </a:solidFill>
+                <a:latin typeface="Calibri"/>
+                <a:ea typeface="Calibri"/>
+                <a:cs typeface="Calibri"/>
+                <a:sym typeface="Calibri"/>
+              </a:rPr>
+              <a:t>) </a:t>
             </a:r>
             <a:endParaRPr dirty="0"/>
           </a:p>
@@ -13158,7 +13302,7 @@
               <a:buChar char="-"/>
             </a:pPr>
             <a:r>
-              <a:rPr lang="en-US" sz="1800" dirty="0">
+              <a:rPr lang="en-US" sz="1800" dirty="0" err="1">
                 <a:solidFill>
                   <a:schemeClr val="dk1"/>
                 </a:solidFill>
@@ -13167,7 +13311,7 @@
                 <a:cs typeface="Calibri"/>
                 <a:sym typeface="Calibri"/>
               </a:rPr>
-              <a:t>purpose</a:t>
+              <a:t>projet</a:t>
             </a:r>
             <a:endParaRPr dirty="0"/>
           </a:p>
@@ -13192,69 +13336,21 @@
                   <a:schemeClr val="dk1"/>
                 </a:solidFill>
                 <a:latin typeface="Calibri"/>
-                <a:ea typeface="Calibri"/>
                 <a:cs typeface="Calibri"/>
                 <a:sym typeface="Calibri"/>
               </a:rPr>
-              <a:t>methods (study extent, sampling, QC, step description) </a:t>
-            </a:r>
-            <a:endParaRPr dirty="0"/>
-          </a:p>
-          <a:p>
-            <a:pPr marL="214312" marR="0" lvl="0" indent="-214312" algn="l" rtl="0">
-              <a:spcBef>
-                <a:spcPts val="0"/>
-              </a:spcBef>
-              <a:spcAft>
-                <a:spcPts val="0"/>
-              </a:spcAft>
-              <a:buClr>
-                <a:schemeClr val="dk1"/>
-              </a:buClr>
-              <a:buSzPts val="1800"/>
-              <a:buFont typeface="Arial"/>
-              <a:buChar char="-"/>
-            </a:pPr>
-            <a:r>
-              <a:rPr lang="en-US" sz="1800" dirty="0">
+              <a:t>Mots-</a:t>
+            </a:r>
+            <a:r>
+              <a:rPr lang="en-US" sz="1800" dirty="0" err="1">
                 <a:solidFill>
                   <a:schemeClr val="dk1"/>
                 </a:solidFill>
                 <a:latin typeface="Calibri"/>
-                <a:ea typeface="Calibri"/>
                 <a:cs typeface="Calibri"/>
                 <a:sym typeface="Calibri"/>
               </a:rPr>
-              <a:t>project</a:t>
-            </a:r>
-            <a:endParaRPr dirty="0"/>
-          </a:p>
-          <a:p>
-            <a:pPr marL="214312" marR="0" lvl="0" indent="-214312" algn="l" rtl="0">
-              <a:spcBef>
-                <a:spcPts val="0"/>
-              </a:spcBef>
-              <a:spcAft>
-                <a:spcPts val="0"/>
-              </a:spcAft>
-              <a:buClr>
-                <a:schemeClr val="dk1"/>
-              </a:buClr>
-              <a:buSzPts val="1800"/>
-              <a:buFont typeface="Arial"/>
-              <a:buChar char="-"/>
-            </a:pPr>
-            <a:r>
-              <a:rPr lang="en-US" sz="1800" dirty="0">
-                <a:solidFill>
-                  <a:schemeClr val="dk1"/>
-                </a:solidFill>
-                <a:latin typeface="Calibri"/>
-                <a:ea typeface="Calibri"/>
-                <a:cs typeface="Calibri"/>
-                <a:sym typeface="Calibri"/>
-              </a:rPr>
-              <a:t>keywords </a:t>
+              <a:t>clés</a:t>
             </a:r>
             <a:endParaRPr dirty="0"/>
           </a:p>
@@ -13275,7 +13371,7 @@
         <p:spPr>
           <a:xfrm>
             <a:off x="6863479" y="2520764"/>
-            <a:ext cx="4124621" cy="738664"/>
+            <a:ext cx="4124621" cy="954107"/>
           </a:xfrm>
           <a:prstGeom prst="rect">
             <a:avLst/>
@@ -13302,7 +13398,7 @@
           <a:lstStyle/>
           <a:p>
             <a:r>
-              <a:rPr lang="en-CA" b="0" i="0" dirty="0">
+              <a:rPr lang="fr-CA" b="0" i="0" dirty="0">
                 <a:solidFill>
                   <a:srgbClr val="000000"/>
                 </a:solidFill>
@@ -13310,7 +13406,7 @@
                 <a:latin typeface="Calibri" panose="020F0502020204030204" pitchFamily="34" charset="0"/>
                 <a:cs typeface="Calibri" panose="020F0502020204030204" pitchFamily="34" charset="0"/>
               </a:rPr>
-              <a:t>Summary of the intentions for which the data set was developed. Includes objectives for creating the data set and what the data set is to support.</a:t>
+              <a:t>Résumé des intentions pour lesquelles le jeu de données a été développé. Comprend les objectifs de création du jeu de données et ce qu’il doit prendre en charge.</a:t>
             </a:r>
             <a:endParaRPr lang="en-CA" dirty="0">
               <a:latin typeface="Calibri" panose="020F0502020204030204" pitchFamily="34" charset="0"/>
@@ -13336,8 +13432,8 @@
         </p:nvCxnSpPr>
         <p:spPr>
           <a:xfrm flipV="1">
-            <a:off x="2921330" y="2890096"/>
-            <a:ext cx="3942149" cy="1816507"/>
+            <a:off x="2921330" y="2997818"/>
+            <a:ext cx="3942149" cy="1708786"/>
           </a:xfrm>
           <a:prstGeom prst="straightConnector1">
             <a:avLst/>
@@ -13566,8 +13662,16 @@
               <a:buNone/>
             </a:pPr>
             <a:r>
+              <a:rPr lang="en-US" dirty="0" err="1"/>
+              <a:t>Norme</a:t>
+            </a:r>
+            <a:r>
               <a:rPr lang="en-US" dirty="0"/>
-              <a:t>Metadata standards</a:t>
+              <a:t> de </a:t>
+            </a:r>
+            <a:r>
+              <a:rPr lang="en-US" dirty="0" err="1"/>
+              <a:t>métadonnées</a:t>
             </a:r>
             <a:endParaRPr dirty="0"/>
           </a:p>
@@ -13581,8 +13685,8 @@
         </p:nvSpPr>
         <p:spPr>
           <a:xfrm>
-            <a:off x="1117600" y="1988705"/>
-            <a:ext cx="10586400" cy="1080000"/>
+            <a:off x="1117600" y="1988704"/>
+            <a:ext cx="10586400" cy="1245465"/>
           </a:xfrm>
           <a:prstGeom prst="rect">
             <a:avLst/>
@@ -13616,7 +13720,7 @@
               <a:buNone/>
             </a:pPr>
             <a:r>
-              <a:rPr lang="en-US" sz="1800" b="1" dirty="0">
+              <a:rPr lang="en-US" sz="1800" b="1" dirty="0" err="1">
                 <a:solidFill>
                   <a:schemeClr val="dk1"/>
                 </a:solidFill>
@@ -13625,46 +13729,46 @@
                 <a:cs typeface="Calibri"/>
                 <a:sym typeface="Calibri"/>
               </a:rPr>
-              <a:t>Dataset </a:t>
+              <a:t>Titre</a:t>
             </a:r>
             <a:r>
               <a:rPr lang="en-US" sz="1800" b="1" dirty="0">
                 <a:solidFill>
-                  <a:schemeClr val="tx1"/>
+                  <a:schemeClr val="dk1"/>
                 </a:solidFill>
                 <a:latin typeface="Calibri"/>
                 <a:ea typeface="Calibri"/>
                 <a:cs typeface="Calibri"/>
                 <a:sym typeface="Calibri"/>
               </a:rPr>
-              <a:t>title      </a:t>
-            </a:r>
-            <a:r>
-              <a:rPr lang="en-US" sz="1800" dirty="0">
-                <a:solidFill>
-                  <a:schemeClr val="tx1"/>
+              <a:t> du jeu de </a:t>
+            </a:r>
+            <a:r>
+              <a:rPr lang="en-US" sz="1800" b="1" dirty="0" err="1">
+                <a:solidFill>
+                  <a:schemeClr val="dk1"/>
                 </a:solidFill>
                 <a:latin typeface="Calibri"/>
                 <a:ea typeface="Calibri"/>
                 <a:cs typeface="Calibri"/>
                 <a:sym typeface="Calibri"/>
               </a:rPr>
-              <a:t>Is different from the </a:t>
-            </a:r>
-            <a:r>
-              <a:rPr lang="en-US" sz="1800" dirty="0" err="1">
-                <a:solidFill>
-                  <a:schemeClr val="tx1"/>
+              <a:t>données</a:t>
+            </a:r>
+            <a:r>
+              <a:rPr lang="en-US" sz="1800" b="1" dirty="0">
+                <a:solidFill>
+                  <a:schemeClr val="dk1"/>
                 </a:solidFill>
                 <a:latin typeface="Calibri"/>
                 <a:ea typeface="Calibri"/>
                 <a:cs typeface="Calibri"/>
                 <a:sym typeface="Calibri"/>
               </a:rPr>
-              <a:t>shortname</a:t>
-            </a:r>
-            <a:r>
-              <a:rPr lang="en-US" sz="1800" dirty="0">
+              <a:t>: </a:t>
+            </a:r>
+            <a:r>
+              <a:rPr lang="fr-CA" sz="1800" dirty="0">
                 <a:solidFill>
                   <a:schemeClr val="tx1"/>
                 </a:solidFill>
@@ -13673,40 +13777,9 @@
                 <a:cs typeface="Calibri"/>
                 <a:sym typeface="Calibri"/>
               </a:rPr>
-              <a:t>. </a:t>
-            </a:r>
-          </a:p>
-          <a:p>
-            <a:pPr marL="91440" marR="0" lvl="0" indent="-114300" algn="l" rtl="0">
-              <a:lnSpc>
-                <a:spcPct val="90000"/>
-              </a:lnSpc>
-              <a:spcBef>
-                <a:spcPts val="1400"/>
-              </a:spcBef>
-              <a:spcAft>
-                <a:spcPts val="0"/>
-              </a:spcAft>
-              <a:buClr>
-                <a:schemeClr val="accent1"/>
-              </a:buClr>
-              <a:buSzPts val="1800"/>
-              <a:buFont typeface="Calibri"/>
-              <a:buChar char=" "/>
-            </a:pPr>
-            <a:r>
-              <a:rPr lang="en-US" sz="1800" dirty="0">
-                <a:solidFill>
-                  <a:schemeClr val="tx1"/>
-                </a:solidFill>
-                <a:latin typeface="Calibri"/>
-                <a:ea typeface="Calibri"/>
-                <a:cs typeface="Calibri"/>
-                <a:sym typeface="Calibri"/>
-              </a:rPr>
-              <a:t>A good, descriptive title is indispensable</a:t>
-            </a:r>
-            <a:endParaRPr sz="1800" dirty="0">
+              <a:t>Est différent du nom court.</a:t>
+            </a:r>
+            <a:endParaRPr lang="en-US" sz="1800" dirty="0">
               <a:solidFill>
                 <a:schemeClr val="tx1"/>
               </a:solidFill>
@@ -13735,7 +13808,7 @@
               <a:buChar char=" "/>
             </a:pPr>
             <a:r>
-              <a:rPr lang="en-US" sz="1800" dirty="0">
+              <a:rPr lang="fr-CA" sz="1800" dirty="0">
                 <a:solidFill>
                   <a:schemeClr val="tx1"/>
                 </a:solidFill>
@@ -13744,10 +13817,29 @@
                 <a:cs typeface="Calibri"/>
                 <a:sym typeface="Calibri"/>
               </a:rPr>
-              <a:t>Provides users with valuable information, making e.g. </a:t>
-            </a:r>
-            <a:r>
-              <a:rPr lang="en-US" sz="1800">
+              <a:t>Un bon titre descriptif est indispensable</a:t>
+            </a:r>
+          </a:p>
+          <a:p>
+            <a:pPr marL="91440" marR="0" lvl="0" indent="-114300" algn="l" rtl="0">
+              <a:lnSpc>
+                <a:spcPct val="90000"/>
+              </a:lnSpc>
+              <a:spcBef>
+                <a:spcPts val="1400"/>
+              </a:spcBef>
+              <a:spcAft>
+                <a:spcPts val="0"/>
+              </a:spcAft>
+              <a:buClr>
+                <a:schemeClr val="accent1"/>
+              </a:buClr>
+              <a:buSzPts val="1800"/>
+              <a:buFont typeface="Calibri"/>
+              <a:buChar char=" "/>
+            </a:pPr>
+            <a:r>
+              <a:rPr lang="fr-CA" sz="1800" dirty="0">
                 <a:solidFill>
                   <a:schemeClr val="tx1"/>
                 </a:solidFill>
@@ -13756,48 +13848,8 @@
                 <a:cs typeface="Calibri"/>
                 <a:sym typeface="Calibri"/>
               </a:rPr>
-              <a:t>data discovery / screening </a:t>
-            </a:r>
-            <a:r>
-              <a:rPr lang="en-US" sz="1800" dirty="0">
-                <a:solidFill>
-                  <a:schemeClr val="tx1"/>
-                </a:solidFill>
-                <a:latin typeface="Calibri"/>
-                <a:ea typeface="Calibri"/>
-                <a:cs typeface="Calibri"/>
-                <a:sym typeface="Calibri"/>
-              </a:rPr>
-              <a:t>easier</a:t>
-            </a:r>
-            <a:endParaRPr sz="1800" dirty="0">
-              <a:solidFill>
-                <a:schemeClr val="tx1"/>
-              </a:solidFill>
-              <a:latin typeface="Calibri"/>
-              <a:ea typeface="Calibri"/>
-              <a:cs typeface="Calibri"/>
-              <a:sym typeface="Calibri"/>
-            </a:endParaRPr>
-          </a:p>
-          <a:p>
-            <a:pPr marL="91440" marR="0" lvl="0" indent="0" algn="l" rtl="0">
-              <a:lnSpc>
-                <a:spcPct val="90000"/>
-              </a:lnSpc>
-              <a:spcBef>
-                <a:spcPts val="1400"/>
-              </a:spcBef>
-              <a:spcAft>
-                <a:spcPts val="0"/>
-              </a:spcAft>
-              <a:buClr>
-                <a:schemeClr val="accent1"/>
-              </a:buClr>
-              <a:buSzPts val="1800"/>
-              <a:buFont typeface="Calibri"/>
-              <a:buNone/>
-            </a:pPr>
+              <a:t>Fournit aux utilisateurs des informations précieuses, par ex. découverte / filtrage des données plus facile</a:t>
+            </a:r>
             <a:endParaRPr sz="1800" dirty="0">
               <a:solidFill>
                 <a:srgbClr val="3F3F3F"/>
@@ -13814,11 +13866,17 @@
         <p:nvGraphicFramePr>
           <p:cNvPr id="387" name="Google Shape;387;p35"/>
           <p:cNvGraphicFramePr/>
-          <p:nvPr/>
+          <p:nvPr>
+            <p:extLst>
+              <p:ext uri="{D42A27DB-BD31-4B8C-83A1-F6EECF244321}">
+                <p14:modId xmlns:p14="http://schemas.microsoft.com/office/powerpoint/2010/main" val="3069676038"/>
+              </p:ext>
+            </p:extLst>
+          </p:nvPr>
         </p:nvGraphicFramePr>
         <p:xfrm>
-          <a:off x="1383319" y="3640819"/>
-          <a:ext cx="8625600" cy="2103100"/>
+          <a:off x="1117600" y="3648225"/>
+          <a:ext cx="8625600" cy="2103110"/>
         </p:xfrm>
         <a:graphic>
           <a:graphicData uri="http://schemas.openxmlformats.org/drawingml/2006/table">
@@ -13859,10 +13917,18 @@
                         <a:buNone/>
                       </a:pPr>
                       <a:r>
-                        <a:rPr lang="en-US" sz="1200" u="none" strike="noStrike" cap="none"/>
-                        <a:t>Originally received</a:t>
+                        <a:rPr lang="en-US" sz="1200" u="none" strike="noStrike" cap="none" dirty="0" err="1"/>
+                        <a:t>Reçu</a:t>
                       </a:r>
-                      <a:endParaRPr sz="1200"/>
+                      <a:r>
+                        <a:rPr lang="en-US" sz="1200" u="none" strike="noStrike" cap="none" dirty="0"/>
+                        <a:t> </a:t>
+                      </a:r>
+                      <a:r>
+                        <a:rPr lang="en-US" sz="1200" u="none" strike="noStrike" cap="none" dirty="0" err="1"/>
+                        <a:t>originallement</a:t>
+                      </a:r>
+                      <a:endParaRPr sz="1200" dirty="0"/>
                     </a:p>
                   </a:txBody>
                   <a:tcPr marL="68575" marR="68575" marT="34300" marB="34300"/>
@@ -13882,10 +13948,10 @@
                         <a:buNone/>
                       </a:pPr>
                       <a:r>
-                        <a:rPr lang="en-US" sz="1200"/>
-                        <a:t>Recommended title, to be checked with provider</a:t>
+                        <a:rPr lang="fr-FR" sz="1200" dirty="0"/>
+                        <a:t>Titre recommandé, à vérifier auprès du fournisseur</a:t>
                       </a:r>
-                      <a:endParaRPr/>
+                      <a:endParaRPr dirty="0"/>
                     </a:p>
                   </a:txBody>
                   <a:tcPr marL="68575" marR="68575" marT="34300" marB="34300"/>
@@ -13935,10 +14001,10 @@
                         <a:buNone/>
                       </a:pPr>
                       <a:r>
-                        <a:rPr lang="en-US" sz="1200"/>
-                        <a:t>Benthic data from the Southern Irish Sea from 1989-1991</a:t>
+                        <a:rPr lang="fr-CA" sz="1200" dirty="0"/>
+                        <a:t>Données benthiques du sud de la mer d'Irlande de 1989 à 1991</a:t>
                       </a:r>
-                      <a:endParaRPr sz="1200"/>
+                      <a:endParaRPr sz="1200" dirty="0"/>
                     </a:p>
                   </a:txBody>
                   <a:tcPr marL="68575" marR="68575" marT="34300" marB="34300"/>
@@ -13988,10 +14054,22 @@
                         <a:buNone/>
                       </a:pPr>
                       <a:r>
-                        <a:rPr lang="en-US" sz="1200"/>
-                        <a:t>Zoobenthos of the Kyklades (Aegean Sea) from a survey in 2009</a:t>
+                        <a:rPr lang="fr-CA" sz="1200" dirty="0" err="1"/>
+                        <a:t>Zoobenthos</a:t>
                       </a:r>
-                      <a:endParaRPr/>
+                      <a:r>
+                        <a:rPr lang="fr-CA" sz="1200" dirty="0"/>
+                        <a:t> des </a:t>
+                      </a:r>
+                      <a:r>
+                        <a:rPr lang="fr-CA" sz="1200" dirty="0" err="1"/>
+                        <a:t>Kyklades</a:t>
+                      </a:r>
+                      <a:r>
+                        <a:rPr lang="fr-CA" sz="1200" dirty="0"/>
+                        <a:t> (mer Égée) d'après un échantillonnage en 2009</a:t>
+                      </a:r>
+                      <a:endParaRPr dirty="0"/>
                     </a:p>
                   </a:txBody>
                   <a:tcPr marL="68575" marR="68575" marT="34300" marB="34300"/>
@@ -14041,10 +14119,18 @@
                         <a:buNone/>
                       </a:pPr>
                       <a:r>
-                        <a:rPr lang="en-US" sz="1200"/>
-                        <a:t>The macrobenthos of the North Sea</a:t>
+                        <a:rPr lang="fr-CA" sz="1200" dirty="0"/>
+                        <a:t>Le </a:t>
                       </a:r>
-                      <a:endParaRPr sz="1200"/>
+                      <a:r>
+                        <a:rPr lang="fr-CA" sz="1200" dirty="0" err="1"/>
+                        <a:t>macrobenthos</a:t>
+                      </a:r>
+                      <a:r>
+                        <a:rPr lang="fr-CA" sz="1200" dirty="0"/>
+                        <a:t> de la mer du Nord</a:t>
+                      </a:r>
+                      <a:endParaRPr sz="1200" dirty="0"/>
                     </a:p>
                   </a:txBody>
                   <a:tcPr marL="68575" marR="68575" marT="34300" marB="34300"/>
@@ -14094,10 +14180,14 @@
                         <a:buNone/>
                       </a:pPr>
                       <a:r>
-                        <a:rPr lang="en-US" sz="1200"/>
-                        <a:t>Meiofauna of Madagascar</a:t>
+                        <a:rPr lang="en-US" sz="1200" dirty="0" err="1"/>
+                        <a:t>Meiofaune</a:t>
                       </a:r>
-                      <a:endParaRPr sz="1200"/>
+                      <a:r>
+                        <a:rPr lang="en-US" sz="1200" dirty="0"/>
+                        <a:t> de Madagascar</a:t>
+                      </a:r>
+                      <a:endParaRPr sz="1200" dirty="0"/>
                     </a:p>
                   </a:txBody>
                   <a:tcPr marL="68575" marR="68575" marT="34300" marB="34300"/>
@@ -14147,10 +14237,10 @@
                         <a:buNone/>
                       </a:pPr>
                       <a:r>
-                        <a:rPr lang="en-US" sz="1200"/>
-                        <a:t>Fish collected during a 3-month survey in the national waters of South Africa in 1975</a:t>
+                        <a:rPr lang="fr-CA" sz="1200" dirty="0"/>
+                        <a:t>Poissons capturés au cours d’un échantillonnage de 3 mois dans les eaux nationales d'Afrique du Sud en 1975</a:t>
                       </a:r>
-                      <a:endParaRPr sz="1200"/>
+                      <a:endParaRPr sz="1200" dirty="0"/>
                     </a:p>
                   </a:txBody>
                   <a:tcPr marL="68575" marR="68575" marT="34300" marB="34300"/>
@@ -14222,7 +14312,7 @@
         </p:nvSpPr>
         <p:spPr>
           <a:xfrm>
-            <a:off x="3569996" y="3616390"/>
+            <a:off x="3381715" y="3623830"/>
             <a:ext cx="6521100" cy="2151900"/>
           </a:xfrm>
           <a:prstGeom prst="rect">
@@ -14277,7 +14367,7 @@
         <p:spPr>
           <a:xfrm>
             <a:off x="1117600" y="1410261"/>
-            <a:ext cx="10073592" cy="584775"/>
+            <a:ext cx="10104048" cy="369332"/>
           </a:xfrm>
           <a:prstGeom prst="rect">
             <a:avLst/>
@@ -14291,7 +14381,7 @@
           <a:lstStyle/>
           <a:p>
             <a:r>
-              <a:rPr lang="en-US" sz="1800" b="1" dirty="0" err="1">
+              <a:rPr lang="en-US" sz="1800" b="1" dirty="0">
                 <a:solidFill>
                   <a:schemeClr val="dk1"/>
                 </a:solidFill>
@@ -14300,10 +14390,10 @@
                 <a:cs typeface="Calibri"/>
                 <a:sym typeface="Calibri"/>
               </a:rPr>
-              <a:t>Shortname</a:t>
-            </a:r>
-            <a:r>
-              <a:rPr lang="en-US" sz="1800" b="1" dirty="0">
+              <a:t>Nom court:      </a:t>
+            </a:r>
+            <a:r>
+              <a:rPr lang="fr-CA" sz="1800" dirty="0">
                 <a:solidFill>
                   <a:schemeClr val="dk1"/>
                 </a:solidFill>
@@ -14312,31 +14402,8 @@
                 <a:cs typeface="Calibri"/>
                 <a:sym typeface="Calibri"/>
               </a:rPr>
-              <a:t>        </a:t>
-            </a:r>
-            <a:r>
-              <a:rPr lang="en-US" sz="1800" dirty="0">
-                <a:solidFill>
-                  <a:schemeClr val="dk1"/>
-                </a:solidFill>
-                <a:latin typeface="Calibri"/>
-                <a:ea typeface="Calibri"/>
-                <a:cs typeface="Calibri"/>
-                <a:sym typeface="Calibri"/>
-              </a:rPr>
-              <a:t>Resource identifier in the IPT, will be part of the URL. Short! No escape characters please!</a:t>
-            </a:r>
-            <a:endParaRPr lang="en-US" sz="1800" b="1" dirty="0">
-              <a:solidFill>
-                <a:schemeClr val="dk1"/>
-              </a:solidFill>
-              <a:latin typeface="Calibri"/>
-              <a:ea typeface="Calibri"/>
-              <a:cs typeface="Calibri"/>
-              <a:sym typeface="Calibri"/>
-            </a:endParaRPr>
-          </a:p>
-          <a:p>
+              <a:t>L'identifiant de ressource dans l'IPT fera partie de l'URL. Court! Pas de caractères spéciaux!</a:t>
+            </a:r>
             <a:endParaRPr lang="en-CA" dirty="0"/>
           </a:p>
         </p:txBody>
@@ -14591,8 +14658,16 @@
               <a:buNone/>
             </a:pPr>
             <a:r>
+              <a:rPr lang="en-US" dirty="0" err="1"/>
+              <a:t>Norme</a:t>
+            </a:r>
+            <a:r>
               <a:rPr lang="en-US" dirty="0"/>
-              <a:t>Metadata standards</a:t>
+              <a:t> de </a:t>
+            </a:r>
+            <a:r>
+              <a:rPr lang="en-US" dirty="0" err="1"/>
+              <a:t>métadonnées</a:t>
             </a:r>
             <a:endParaRPr dirty="0"/>
           </a:p>
@@ -14641,7 +14716,7 @@
               <a:buNone/>
             </a:pPr>
             <a:r>
-              <a:rPr lang="en-US" sz="1500" b="1" dirty="0">
+              <a:rPr lang="fr-CA" sz="1500" b="1" dirty="0">
                 <a:solidFill>
                   <a:srgbClr val="3F3F3F"/>
                 </a:solidFill>
@@ -14650,12 +14725,12 @@
                 <a:cs typeface="Calibri"/>
                 <a:sym typeface="Calibri"/>
               </a:rPr>
-              <a:t>Abstract</a:t>
+              <a:t>Extrait</a:t>
             </a:r>
             <a:endParaRPr dirty="0"/>
           </a:p>
           <a:p>
-            <a:pPr marL="91440" indent="-95250">
+            <a:pPr>
               <a:lnSpc>
                 <a:spcPct val="90000"/>
               </a:lnSpc>
@@ -14666,11 +14741,9 @@
                 <a:schemeClr val="accent1"/>
               </a:buClr>
               <a:buSzPts val="1500"/>
-              <a:buFont typeface="Calibri"/>
-              <a:buChar char=" "/>
             </a:pPr>
             <a:r>
-              <a:rPr lang="en-US" sz="1500" dirty="0">
+              <a:rPr lang="fr-CA" sz="1500" dirty="0">
                 <a:solidFill>
                   <a:srgbClr val="3F3F3F"/>
                 </a:solidFill>
@@ -14679,12 +14752,11 @@
                 <a:cs typeface="Calibri"/>
                 <a:sym typeface="Calibri"/>
               </a:rPr>
-              <a:t>The abstract or description of a dataset provides basic information on the content of the dataset. The information in the abstract should improve understanding and interpretation of the data. </a:t>
-            </a:r>
-            <a:endParaRPr dirty="0"/>
+              <a:t>Le résumé ou la description d'un ensemble de données fournit des informations de base sur le contenu du jeu de données. Les informations contenues dans le résumé devraient améliorer la compréhension et l'interprétation des données.</a:t>
+            </a:r>
           </a:p>
           <a:p>
-            <a:pPr marL="91440" marR="0" lvl="0" indent="-95250" algn="l" rtl="0">
+            <a:pPr marR="0" lvl="0" algn="l" rtl="0">
               <a:lnSpc>
                 <a:spcPct val="90000"/>
               </a:lnSpc>
@@ -14698,11 +14770,9 @@
                 <a:schemeClr val="accent1"/>
               </a:buClr>
               <a:buSzPts val="1500"/>
-              <a:buFont typeface="Calibri"/>
-              <a:buChar char=" "/>
             </a:pPr>
             <a:r>
-              <a:rPr lang="en-US" sz="1500" dirty="0">
+              <a:rPr lang="fr-CA" sz="1500" dirty="0">
                 <a:solidFill>
                   <a:srgbClr val="3F3F3F"/>
                 </a:solidFill>
@@ -14711,12 +14781,11 @@
                 <a:cs typeface="Calibri"/>
                 <a:sym typeface="Calibri"/>
               </a:rPr>
-              <a:t>It is recommended that the description indicates whether the dataset is a subset of a larger dataset and – if so – provide a link to the parent metadata and/or dataset.</a:t>
-            </a:r>
-            <a:endParaRPr dirty="0"/>
+              <a:t>Il est recommandé que la description indique si l'ensemble de données est un sous-ensemble de données. C’est-à-dire si ces données ont un lien vers un jeu de données plus grand. Si tel est le cas il est recommandé de fournir un lien vers les métadonnées et / ou le jeu de données parent.</a:t>
+            </a:r>
           </a:p>
           <a:p>
-            <a:pPr marL="91440" marR="0" lvl="0" indent="-95250" algn="l" rtl="0">
+            <a:pPr marR="0" lvl="0" algn="l" rtl="0">
               <a:lnSpc>
                 <a:spcPct val="90000"/>
               </a:lnSpc>
@@ -14730,11 +14799,9 @@
                 <a:schemeClr val="accent1"/>
               </a:buClr>
               <a:buSzPts val="1500"/>
-              <a:buFont typeface="Calibri"/>
-              <a:buChar char=" "/>
             </a:pPr>
             <a:r>
-              <a:rPr lang="en-US" sz="1500" dirty="0">
+              <a:rPr lang="fr-CA" sz="1500" dirty="0">
                 <a:solidFill>
                   <a:srgbClr val="3F3F3F"/>
                 </a:solidFill>
@@ -14743,28 +14810,8 @@
                 <a:cs typeface="Calibri"/>
                 <a:sym typeface="Calibri"/>
               </a:rPr>
-              <a:t>If the data provider or OBIS node require bi- or multilingual entries for the description (e.g. due to national obligations) then the following procedure can be followed:</a:t>
-            </a:r>
-            <a:endParaRPr dirty="0"/>
-          </a:p>
-          <a:p>
-            <a:pPr marL="342900" marR="0" lvl="0" indent="-342900" algn="l" rtl="0">
-              <a:lnSpc>
-                <a:spcPct val="100000"/>
-              </a:lnSpc>
-              <a:spcBef>
-                <a:spcPts val="1100"/>
-              </a:spcBef>
-              <a:spcAft>
-                <a:spcPts val="0"/>
-              </a:spcAft>
-              <a:buClr>
-                <a:schemeClr val="accent1"/>
-              </a:buClr>
-              <a:buSzPts val="1500"/>
-              <a:buFont typeface="Calibri"/>
-              <a:buAutoNum type="arabicPeriod"/>
-            </a:pPr>
+              <a:t>Si le fournisseur de données ou le nœud OBIS requiert des entrées bilingues ou multilingues pour la description (par exemple en raison d'obligations nationales), la procédure suivante peut être suivie:</a:t>
+            </a:r>
             <a:r>
               <a:rPr lang="en-US" sz="1500" dirty="0">
                 <a:solidFill>
@@ -14805,7 +14852,7 @@
               <a:buAutoNum type="arabicPeriod"/>
             </a:pPr>
             <a:r>
-              <a:rPr lang="en-US" sz="1500" dirty="0">
+              <a:rPr lang="fr-CA" sz="1500" dirty="0">
                 <a:solidFill>
                   <a:srgbClr val="3F3F3F"/>
                 </a:solidFill>
@@ -14814,91 +14861,115 @@
                 <a:cs typeface="Calibri"/>
                 <a:sym typeface="Calibri"/>
               </a:rPr>
-              <a:t>Enter the English description first</a:t>
-            </a:r>
-            <a:endParaRPr dirty="0"/>
-          </a:p>
-          <a:p>
-            <a:pPr marL="342900" marR="0" lvl="0" indent="-342900" algn="l" rtl="0">
-              <a:lnSpc>
-                <a:spcPct val="100000"/>
-              </a:lnSpc>
-              <a:spcBef>
-                <a:spcPts val="1100"/>
-              </a:spcBef>
-              <a:spcAft>
-                <a:spcPts val="0"/>
-              </a:spcAft>
-              <a:buClr>
-                <a:schemeClr val="accent1"/>
-              </a:buClr>
-              <a:buSzPts val="1500"/>
-              <a:buFont typeface="Calibri"/>
-              <a:buAutoNum type="arabicPeriod"/>
-            </a:pPr>
-            <a:r>
-              <a:rPr lang="en-US" sz="1500" dirty="0">
-                <a:solidFill>
-                  <a:srgbClr val="3F3F3F"/>
-                </a:solidFill>
-                <a:latin typeface="Calibri"/>
-                <a:ea typeface="Calibri"/>
-                <a:cs typeface="Calibri"/>
-                <a:sym typeface="Calibri"/>
-              </a:rPr>
-              <a:t>Type a slash (/)</a:t>
-            </a:r>
-            <a:endParaRPr dirty="0"/>
-          </a:p>
-          <a:p>
-            <a:pPr marL="342900" marR="0" lvl="0" indent="-342900" algn="l" rtl="0">
-              <a:lnSpc>
-                <a:spcPct val="100000"/>
-              </a:lnSpc>
-              <a:spcBef>
-                <a:spcPts val="1100"/>
-              </a:spcBef>
-              <a:spcAft>
-                <a:spcPts val="0"/>
-              </a:spcAft>
-              <a:buClr>
-                <a:schemeClr val="accent1"/>
-              </a:buClr>
-              <a:buSzPts val="1500"/>
-              <a:buFont typeface="Calibri"/>
-              <a:buAutoNum type="arabicPeriod"/>
-            </a:pPr>
-            <a:r>
-              <a:rPr lang="en-US" sz="1500" dirty="0">
-                <a:solidFill>
-                  <a:srgbClr val="3F3F3F"/>
-                </a:solidFill>
-                <a:latin typeface="Calibri"/>
-                <a:ea typeface="Calibri"/>
-                <a:cs typeface="Calibri"/>
-                <a:sym typeface="Calibri"/>
-              </a:rPr>
-              <a:t>Enter the description in the second language</a:t>
-            </a:r>
-            <a:endParaRPr sz="1500" dirty="0">
+              <a:t>Saisissez d'abord la description en anglais</a:t>
+            </a:r>
+            <a:endParaRPr lang="en-US" sz="1500" dirty="0">
               <a:solidFill>
                 <a:srgbClr val="3F3F3F"/>
               </a:solidFill>
               <a:latin typeface="Calibri"/>
               <a:ea typeface="Calibri"/>
               <a:cs typeface="Calibri"/>
+              <a:sym typeface="Calibri"/>
             </a:endParaRPr>
           </a:p>
           <a:p>
-            <a:pPr>
+            <a:pPr marL="342900" marR="0" lvl="0" indent="-342900" algn="l" rtl="0">
+              <a:lnSpc>
+                <a:spcPct val="100000"/>
+              </a:lnSpc>
               <a:spcBef>
                 <a:spcPts val="1100"/>
               </a:spcBef>
+              <a:spcAft>
+                <a:spcPts val="0"/>
+              </a:spcAft>
               <a:buClr>
                 <a:schemeClr val="accent1"/>
               </a:buClr>
               <a:buSzPts val="1500"/>
+              <a:buFont typeface="Calibri"/>
+              <a:buAutoNum type="arabicPeriod"/>
             </a:pPr>
+            <a:r>
+              <a:rPr lang="en-US" sz="1500" dirty="0" err="1">
+                <a:solidFill>
+                  <a:srgbClr val="3F3F3F"/>
+                </a:solidFill>
+                <a:latin typeface="Calibri"/>
+                <a:ea typeface="Calibri"/>
+                <a:cs typeface="Calibri"/>
+                <a:sym typeface="Calibri"/>
+              </a:rPr>
+              <a:t>Tapez</a:t>
+            </a:r>
+            <a:r>
+              <a:rPr lang="en-US" sz="1500" dirty="0">
+                <a:solidFill>
+                  <a:srgbClr val="3F3F3F"/>
+                </a:solidFill>
+                <a:latin typeface="Calibri"/>
+                <a:ea typeface="Calibri"/>
+                <a:cs typeface="Calibri"/>
+                <a:sym typeface="Calibri"/>
+              </a:rPr>
+              <a:t> </a:t>
+            </a:r>
+            <a:r>
+              <a:rPr lang="en-US" sz="1500" dirty="0" err="1">
+                <a:solidFill>
+                  <a:srgbClr val="3F3F3F"/>
+                </a:solidFill>
+                <a:latin typeface="Calibri"/>
+                <a:ea typeface="Calibri"/>
+                <a:cs typeface="Calibri"/>
+                <a:sym typeface="Calibri"/>
+              </a:rPr>
+              <a:t>une</a:t>
+            </a:r>
+            <a:r>
+              <a:rPr lang="en-US" sz="1500" dirty="0">
+                <a:solidFill>
+                  <a:srgbClr val="3F3F3F"/>
+                </a:solidFill>
+                <a:latin typeface="Calibri"/>
+                <a:ea typeface="Calibri"/>
+                <a:cs typeface="Calibri"/>
+                <a:sym typeface="Calibri"/>
+              </a:rPr>
+              <a:t> barre oblique (/)</a:t>
+            </a:r>
+          </a:p>
+          <a:p>
+            <a:pPr marL="342900" marR="0" lvl="0" indent="-342900" algn="l" rtl="0">
+              <a:lnSpc>
+                <a:spcPct val="100000"/>
+              </a:lnSpc>
+              <a:spcBef>
+                <a:spcPts val="1100"/>
+              </a:spcBef>
+              <a:spcAft>
+                <a:spcPts val="0"/>
+              </a:spcAft>
+              <a:buClr>
+                <a:schemeClr val="accent1"/>
+              </a:buClr>
+              <a:buSzPts val="1500"/>
+              <a:buFont typeface="Calibri"/>
+              <a:buAutoNum type="arabicPeriod"/>
+            </a:pPr>
+            <a:r>
+              <a:rPr lang="fr-CA" sz="1500" dirty="0">
+                <a:solidFill>
+                  <a:srgbClr val="3F3F3F"/>
+                </a:solidFill>
+                <a:latin typeface="Calibri"/>
+                <a:ea typeface="Calibri"/>
+                <a:cs typeface="Calibri"/>
+                <a:sym typeface="Calibri"/>
+              </a:rPr>
+              <a:t>Entrez la description dans la deuxième langue</a:t>
+            </a:r>
             <a:endParaRPr lang="en-US" sz="1500" dirty="0">
               <a:solidFill>
                 <a:srgbClr val="3F3F3F"/>
@@ -15076,7 +15147,7 @@
         </p:nvSpPr>
         <p:spPr>
           <a:xfrm>
-            <a:off x="4880757" y="3283527"/>
+            <a:off x="5522025" y="3698957"/>
             <a:ext cx="5796268" cy="2062103"/>
           </a:xfrm>
           <a:prstGeom prst="rect">
@@ -15097,10 +15168,10 @@
               <a:buSzPts val="1500"/>
             </a:pPr>
             <a:r>
-              <a:rPr lang="en-US" sz="1600" i="1" dirty="0">
+              <a:rPr lang="en-US" sz="1600" i="1" dirty="0" err="1">
                 <a:latin typeface="Calibri"/>
               </a:rPr>
-              <a:t>Example</a:t>
+              <a:t>Exemple</a:t>
             </a:r>
             <a:endParaRPr lang="en-US" sz="1600" dirty="0">
               <a:solidFill>
@@ -15549,10 +15620,18 @@
               <a:buNone/>
             </a:pPr>
             <a:r>
-              <a:rPr lang="en-US"/>
-              <a:t>Metadata standards</a:t>
-            </a:r>
-            <a:endParaRPr/>
+              <a:rPr lang="en-US" dirty="0" err="1"/>
+              <a:t>Norme</a:t>
+            </a:r>
+            <a:r>
+              <a:rPr lang="en-US" dirty="0"/>
+              <a:t> de </a:t>
+            </a:r>
+            <a:r>
+              <a:rPr lang="en-US" dirty="0" err="1"/>
+              <a:t>métadonnées</a:t>
+            </a:r>
+            <a:endParaRPr dirty="0"/>
           </a:p>
         </p:txBody>
       </p:sp>
@@ -15631,7 +15710,7 @@
               <a:buNone/>
             </a:pPr>
             <a:r>
-              <a:rPr lang="en-US" sz="1500" dirty="0">
+              <a:rPr lang="en-US" sz="1500" dirty="0" err="1">
                 <a:solidFill>
                   <a:srgbClr val="3F3F3F"/>
                 </a:solidFill>
@@ -15640,7 +15719,74 @@
                 <a:cs typeface="Calibri"/>
                 <a:sym typeface="Calibri"/>
               </a:rPr>
-              <a:t>Publisher (institution)</a:t>
+              <a:t>Éditeur</a:t>
+            </a:r>
+            <a:r>
+              <a:rPr lang="en-US" sz="1500" dirty="0">
+                <a:solidFill>
+                  <a:srgbClr val="3F3F3F"/>
+                </a:solidFill>
+                <a:latin typeface="Calibri"/>
+                <a:ea typeface="Calibri"/>
+                <a:cs typeface="Calibri"/>
+                <a:sym typeface="Calibri"/>
+              </a:rPr>
+              <a:t> (institution)</a:t>
+            </a:r>
+          </a:p>
+          <a:p>
+            <a:pPr marL="91440" marR="0" lvl="0" indent="-91440" algn="l" rtl="0">
+              <a:lnSpc>
+                <a:spcPct val="90000"/>
+              </a:lnSpc>
+              <a:spcBef>
+                <a:spcPts val="1400"/>
+              </a:spcBef>
+              <a:spcAft>
+                <a:spcPts val="0"/>
+              </a:spcAft>
+              <a:buClr>
+                <a:schemeClr val="accent1"/>
+              </a:buClr>
+              <a:buSzPts val="1500"/>
+              <a:buFont typeface="Calibri"/>
+              <a:buNone/>
+            </a:pPr>
+            <a:r>
+              <a:rPr lang="en-US" sz="1500" dirty="0">
+                <a:solidFill>
+                  <a:srgbClr val="3F3F3F"/>
+                </a:solidFill>
+                <a:latin typeface="Calibri"/>
+                <a:ea typeface="Calibri"/>
+                <a:cs typeface="Calibri"/>
+                <a:sym typeface="Calibri"/>
+              </a:rPr>
+              <a:t>Contact (</a:t>
+            </a:r>
+            <a:r>
+              <a:rPr lang="en-US" sz="1500" dirty="0" err="1">
+                <a:solidFill>
+                  <a:srgbClr val="3F3F3F"/>
+                </a:solidFill>
+                <a:latin typeface="Calibri"/>
+                <a:ea typeface="Calibri"/>
+                <a:cs typeface="Calibri"/>
+                <a:sym typeface="Calibri"/>
+              </a:rPr>
+              <a:t>personne</a:t>
+            </a:r>
+            <a:r>
+              <a:rPr lang="en-US" sz="1500" dirty="0">
+                <a:solidFill>
+                  <a:srgbClr val="3F3F3F"/>
+                </a:solidFill>
+                <a:latin typeface="Calibri"/>
+                <a:ea typeface="Calibri"/>
+                <a:cs typeface="Calibri"/>
+                <a:sym typeface="Calibri"/>
+              </a:rPr>
+              <a:t> + institution)</a:t>
             </a:r>
             <a:endParaRPr dirty="0"/>
           </a:p>
@@ -15663,7 +15809,7 @@
               <a:buNone/>
             </a:pPr>
             <a:r>
-              <a:rPr lang="en-US" sz="1500" dirty="0">
+              <a:rPr lang="en-US" sz="1500" dirty="0" err="1">
                 <a:solidFill>
                   <a:srgbClr val="3F3F3F"/>
                 </a:solidFill>
@@ -15672,7 +15818,43 @@
                 <a:cs typeface="Calibri"/>
                 <a:sym typeface="Calibri"/>
               </a:rPr>
-              <a:t>Contact (person + institution)</a:t>
+              <a:t>Créateur</a:t>
+            </a:r>
+            <a:r>
+              <a:rPr lang="en-US" sz="1500" dirty="0">
+                <a:solidFill>
+                  <a:srgbClr val="3F3F3F"/>
+                </a:solidFill>
+                <a:latin typeface="Calibri"/>
+                <a:ea typeface="Calibri"/>
+                <a:cs typeface="Calibri"/>
+                <a:sym typeface="Calibri"/>
+              </a:rPr>
+              <a:t> (</a:t>
+            </a:r>
+            <a:r>
+              <a:rPr lang="en-US" sz="1500" dirty="0" err="1">
+                <a:solidFill>
+                  <a:srgbClr val="3F3F3F"/>
+                </a:solidFill>
+                <a:latin typeface="Calibri"/>
+                <a:ea typeface="Calibri"/>
+                <a:cs typeface="Calibri"/>
+                <a:sym typeface="Calibri"/>
+              </a:rPr>
+              <a:t>personne</a:t>
+            </a:r>
+            <a:r>
+              <a:rPr lang="en-US" sz="1500" dirty="0">
+                <a:solidFill>
+                  <a:srgbClr val="3F3F3F"/>
+                </a:solidFill>
+                <a:latin typeface="Calibri"/>
+                <a:ea typeface="Calibri"/>
+                <a:cs typeface="Calibri"/>
+                <a:sym typeface="Calibri"/>
+              </a:rPr>
+              <a:t> + institution)</a:t>
             </a:r>
             <a:endParaRPr dirty="0"/>
           </a:p>
@@ -15695,7 +15877,7 @@
               <a:buNone/>
             </a:pPr>
             <a:r>
-              <a:rPr lang="en-US" sz="1500" dirty="0">
+              <a:rPr lang="en-US" sz="1500" dirty="0" err="1">
                 <a:solidFill>
                   <a:srgbClr val="3F3F3F"/>
                 </a:solidFill>
@@ -15704,28 +15886,8 @@
                 <a:cs typeface="Calibri"/>
                 <a:sym typeface="Calibri"/>
               </a:rPr>
-              <a:t>Creator (person + institution)</a:t>
-            </a:r>
-            <a:endParaRPr dirty="0"/>
-          </a:p>
-          <a:p>
-            <a:pPr marL="91440" marR="0" lvl="0" indent="-91440" algn="l" rtl="0">
-              <a:lnSpc>
-                <a:spcPct val="90000"/>
-              </a:lnSpc>
-              <a:spcBef>
-                <a:spcPts val="1400"/>
-              </a:spcBef>
-              <a:spcAft>
-                <a:spcPts val="0"/>
-              </a:spcAft>
-              <a:buClr>
-                <a:schemeClr val="accent1"/>
-              </a:buClr>
-              <a:buSzPts val="1500"/>
-              <a:buFont typeface="Calibri"/>
-              <a:buNone/>
-            </a:pPr>
+              <a:t>Partie</a:t>
+            </a:r>
             <a:r>
               <a:rPr lang="en-US" sz="1500" dirty="0">
                 <a:solidFill>
@@ -15736,7 +15898,55 @@
                 <a:cs typeface="Calibri"/>
                 <a:sym typeface="Calibri"/>
               </a:rPr>
-              <a:t>Associate party (person + institution)</a:t>
+              <a:t> </a:t>
+            </a:r>
+            <a:r>
+              <a:rPr lang="en-US" sz="1500" dirty="0" err="1">
+                <a:solidFill>
+                  <a:srgbClr val="3F3F3F"/>
+                </a:solidFill>
+                <a:latin typeface="Calibri"/>
+                <a:ea typeface="Calibri"/>
+                <a:cs typeface="Calibri"/>
+                <a:sym typeface="Calibri"/>
+              </a:rPr>
+              <a:t>responsable</a:t>
+            </a:r>
+            <a:r>
+              <a:rPr lang="en-US" sz="1500" dirty="0">
+                <a:solidFill>
+                  <a:srgbClr val="3F3F3F"/>
+                </a:solidFill>
+                <a:latin typeface="Calibri"/>
+                <a:ea typeface="Calibri"/>
+                <a:cs typeface="Calibri"/>
+                <a:sym typeface="Calibri"/>
+              </a:rPr>
+              <a:t> (</a:t>
+            </a:r>
+            <a:r>
+              <a:rPr lang="en-US" sz="1500" dirty="0" err="1">
+                <a:solidFill>
+                  <a:srgbClr val="3F3F3F"/>
+                </a:solidFill>
+                <a:latin typeface="Calibri"/>
+                <a:ea typeface="Calibri"/>
+                <a:cs typeface="Calibri"/>
+                <a:sym typeface="Calibri"/>
+              </a:rPr>
+              <a:t>personne</a:t>
+            </a:r>
+            <a:r>
+              <a:rPr lang="en-US" sz="1500" dirty="0">
+                <a:solidFill>
+                  <a:srgbClr val="3F3F3F"/>
+                </a:solidFill>
+                <a:latin typeface="Calibri"/>
+                <a:ea typeface="Calibri"/>
+                <a:cs typeface="Calibri"/>
+                <a:sym typeface="Calibri"/>
+              </a:rPr>
+              <a:t> + institution)</a:t>
             </a:r>
             <a:endParaRPr dirty="0"/>
           </a:p>
@@ -15759,7 +15969,7 @@
               <a:buChar char="◦"/>
             </a:pPr>
             <a:r>
-              <a:rPr lang="en-US" sz="1350" b="0" i="0" u="none" strike="noStrike" cap="none" dirty="0">
+              <a:rPr lang="fr-CA" sz="1350" b="0" i="0" u="none" strike="noStrike" cap="none" dirty="0">
                 <a:solidFill>
                   <a:srgbClr val="3F3F3F"/>
                 </a:solidFill>
@@ -15768,7 +15978,7 @@
                 <a:cs typeface="Calibri"/>
                 <a:sym typeface="Calibri"/>
               </a:rPr>
-              <a:t>Originator</a:t>
+              <a:t>Auteur</a:t>
             </a:r>
             <a:endParaRPr sz="1350" b="0" i="0" u="none" strike="noStrike" cap="none" dirty="0">
               <a:solidFill>
@@ -15799,7 +16009,7 @@
               <a:buChar char="◦"/>
             </a:pPr>
             <a:r>
-              <a:rPr lang="en-US" sz="1350" b="0" i="0" u="none" strike="noStrike" cap="none" dirty="0">
+              <a:rPr lang="en-US" sz="1350" b="0" i="0" u="none" strike="noStrike" cap="none" dirty="0" err="1">
                 <a:solidFill>
                   <a:srgbClr val="3F3F3F"/>
                 </a:solidFill>
@@ -15808,9 +16018,41 @@
                 <a:cs typeface="Calibri"/>
                 <a:sym typeface="Calibri"/>
               </a:rPr>
-              <a:t>Content provider</a:t>
-            </a:r>
-            <a:endParaRPr dirty="0"/>
+              <a:t>Fournisseur</a:t>
+            </a:r>
+            <a:r>
+              <a:rPr lang="en-US" sz="1350" b="0" i="0" u="none" strike="noStrike" cap="none" dirty="0">
+                <a:solidFill>
+                  <a:srgbClr val="3F3F3F"/>
+                </a:solidFill>
+                <a:latin typeface="Calibri"/>
+                <a:ea typeface="Calibri"/>
+                <a:cs typeface="Calibri"/>
+                <a:sym typeface="Calibri"/>
+              </a:rPr>
+              <a:t> de </a:t>
+            </a:r>
+            <a:r>
+              <a:rPr lang="en-US" sz="1350" b="0" i="0" u="none" strike="noStrike" cap="none" dirty="0" err="1">
+                <a:solidFill>
+                  <a:srgbClr val="3F3F3F"/>
+                </a:solidFill>
+                <a:latin typeface="Calibri"/>
+                <a:ea typeface="Calibri"/>
+                <a:cs typeface="Calibri"/>
+                <a:sym typeface="Calibri"/>
+              </a:rPr>
+              <a:t>contenu</a:t>
+            </a:r>
+            <a:endParaRPr lang="en-US" sz="1350" b="0" i="0" u="none" strike="noStrike" cap="none" dirty="0">
+              <a:solidFill>
+                <a:srgbClr val="3F3F3F"/>
+              </a:solidFill>
+              <a:latin typeface="Calibri"/>
+              <a:ea typeface="Calibri"/>
+              <a:cs typeface="Calibri"/>
+              <a:sym typeface="Calibri"/>
+            </a:endParaRPr>
           </a:p>
           <a:p>
             <a:pPr marL="384048" marR="0" lvl="1" indent="-182880" algn="l" rtl="0">
@@ -15831,7 +16073,7 @@
               <a:buChar char="◦"/>
             </a:pPr>
             <a:r>
-              <a:rPr lang="en-US" sz="1350" b="0" i="0" u="none" strike="noStrike" cap="none" dirty="0">
+              <a:rPr lang="en-US" sz="1350" b="0" i="0" u="none" strike="noStrike" cap="none" dirty="0" err="1">
                 <a:solidFill>
                   <a:srgbClr val="3F3F3F"/>
                 </a:solidFill>
@@ -15840,9 +16082,20 @@
                 <a:cs typeface="Calibri"/>
                 <a:sym typeface="Calibri"/>
               </a:rPr>
-              <a:t>Principle investigator</a:t>
-            </a:r>
-            <a:endParaRPr dirty="0"/>
+              <a:t>Chercheur</a:t>
+            </a:r>
+            <a:r>
+              <a:rPr lang="en-US" sz="1350" b="0" i="0" u="none" strike="noStrike" cap="none" dirty="0">
+                <a:solidFill>
+                  <a:srgbClr val="3F3F3F"/>
+                </a:solidFill>
+                <a:latin typeface="Calibri"/>
+                <a:ea typeface="Calibri"/>
+                <a:cs typeface="Calibri"/>
+                <a:sym typeface="Calibri"/>
+              </a:rPr>
+              <a:t> principal</a:t>
+            </a:r>
           </a:p>
           <a:p>
             <a:pPr marL="384048" marR="0" lvl="1" indent="-182880" algn="l" rtl="0">
@@ -15895,7 +16148,7 @@
               <a:buChar char="◦"/>
             </a:pPr>
             <a:r>
-              <a:rPr lang="en-US" sz="1350" b="0" i="0" u="none" strike="noStrike" cap="none" dirty="0">
+              <a:rPr lang="fr-CA" sz="1350" b="0" i="0" u="none" strike="noStrike" cap="none" dirty="0">
                 <a:solidFill>
                   <a:srgbClr val="3F3F3F"/>
                 </a:solidFill>
@@ -15904,7 +16157,7 @@
                 <a:cs typeface="Calibri"/>
                 <a:sym typeface="Calibri"/>
               </a:rPr>
-              <a:t>Owner</a:t>
+              <a:t>Propriétaire</a:t>
             </a:r>
             <a:endParaRPr sz="1350" b="0" i="0" u="none" strike="noStrike" cap="none" dirty="0">
               <a:solidFill>
@@ -15944,7 +16197,31 @@
                 <a:cs typeface="Calibri"/>
                 <a:sym typeface="Calibri"/>
               </a:rPr>
-              <a:t>Point of contact</a:t>
+              <a:t>Point </a:t>
+            </a:r>
+            <a:r>
+              <a:rPr lang="en-US" sz="1350" dirty="0">
+                <a:solidFill>
+                  <a:srgbClr val="3F3F3F"/>
+                </a:solidFill>
+                <a:latin typeface="Calibri"/>
+                <a:ea typeface="Calibri"/>
+                <a:cs typeface="Calibri"/>
+                <a:sym typeface="Calibri"/>
+              </a:rPr>
+              <a:t>de</a:t>
+            </a:r>
+            <a:r>
+              <a:rPr lang="en-US" sz="1350" b="0" i="0" u="none" strike="noStrike" cap="none" dirty="0">
+                <a:solidFill>
+                  <a:srgbClr val="3F3F3F"/>
+                </a:solidFill>
+                <a:latin typeface="Calibri"/>
+                <a:ea typeface="Calibri"/>
+                <a:cs typeface="Calibri"/>
+                <a:sym typeface="Calibri"/>
+              </a:rPr>
+              <a:t> contact</a:t>
             </a:r>
             <a:endParaRPr dirty="0"/>
           </a:p>
@@ -15976,7 +16253,7 @@
                 <a:cs typeface="Calibri"/>
                 <a:sym typeface="Calibri"/>
               </a:rPr>
-              <a:t>..</a:t>
+              <a:t>…</a:t>
             </a:r>
             <a:endParaRPr dirty="0"/>
           </a:p>
@@ -16311,8 +16588,16 @@
               <a:buNone/>
             </a:pPr>
             <a:r>
+              <a:rPr lang="en-US" dirty="0" err="1"/>
+              <a:t>Norme</a:t>
+            </a:r>
+            <a:r>
               <a:rPr lang="en-US" dirty="0"/>
-              <a:t>Metadata standards</a:t>
+              <a:t> de </a:t>
+            </a:r>
+            <a:r>
+              <a:rPr lang="en-US" dirty="0" err="1"/>
+              <a:t>métadonnées</a:t>
             </a:r>
             <a:endParaRPr dirty="0"/>
           </a:p>
@@ -16326,7 +16611,7 @@
         </p:nvSpPr>
         <p:spPr>
           <a:xfrm>
-            <a:off x="1117600" y="2735568"/>
+            <a:off x="713839" y="1387759"/>
             <a:ext cx="5839090" cy="3130557"/>
           </a:xfrm>
           <a:prstGeom prst="rect">
@@ -16370,7 +16655,7 @@
                 <a:cs typeface="Calibri"/>
                 <a:sym typeface="Calibri"/>
               </a:rPr>
-              <a:t>Citation</a:t>
+              <a:t>Citations</a:t>
             </a:r>
             <a:endParaRPr sz="1500" b="1" dirty="0">
               <a:solidFill>
@@ -16383,7 +16668,7 @@
             </a:endParaRPr>
           </a:p>
           <a:p>
-            <a:pPr marL="91440" marR="0" lvl="0" indent="-95250" algn="l" rtl="0">
+            <a:pPr marR="0" lvl="0" algn="l" rtl="0">
               <a:lnSpc>
                 <a:spcPct val="90000"/>
               </a:lnSpc>
@@ -16397,11 +16682,9 @@
                 <a:schemeClr val="accent1"/>
               </a:buClr>
               <a:buSzPts val="1500"/>
-              <a:buFont typeface="Calibri"/>
-              <a:buChar char=" "/>
             </a:pPr>
             <a:r>
-              <a:rPr lang="en-US" sz="1500" dirty="0">
+              <a:rPr lang="fr-CA" dirty="0">
                 <a:solidFill>
                   <a:srgbClr val="3F3F3F"/>
                 </a:solidFill>
@@ -16410,38 +16693,10 @@
                 <a:cs typeface="Calibri"/>
                 <a:sym typeface="Calibri"/>
               </a:rPr>
-              <a:t>Comparable to a publication reference</a:t>
-            </a:r>
-            <a:endParaRPr sz="1500" dirty="0">
-              <a:solidFill>
-                <a:srgbClr val="3F3F3F"/>
-              </a:solidFill>
-              <a:latin typeface="Calibri"/>
-              <a:ea typeface="Calibri"/>
-              <a:cs typeface="Calibri"/>
-              <a:sym typeface="Calibri"/>
-            </a:endParaRPr>
-          </a:p>
-          <a:p>
-            <a:pPr marL="91440" marR="0" lvl="0" indent="-95250" algn="l" rtl="0">
-              <a:lnSpc>
-                <a:spcPct val="90000"/>
-              </a:lnSpc>
-              <a:spcBef>
-                <a:spcPts val="1400"/>
-              </a:spcBef>
-              <a:spcAft>
-                <a:spcPts val="0"/>
-              </a:spcAft>
-              <a:buClr>
-                <a:schemeClr val="accent1"/>
-              </a:buClr>
-              <a:buSzPts val="1500"/>
-              <a:buFont typeface="Calibri"/>
-              <a:buChar char=" "/>
-            </a:pPr>
-            <a:r>
-              <a:rPr lang="en-US" sz="1500" dirty="0">
+              <a:t>Comparable à une référence de publication</a:t>
+            </a:r>
+            <a:r>
+              <a:rPr lang="en-US" dirty="0">
                 <a:solidFill>
                   <a:srgbClr val="3F3F3F"/>
                 </a:solidFill>
@@ -16473,7 +16728,7 @@
               <a:buChar char="◦"/>
             </a:pPr>
             <a:r>
-              <a:rPr lang="en-US" sz="1350" b="0" i="0" u="none" strike="noStrike" cap="none" dirty="0">
+              <a:rPr lang="en-US" b="0" i="0" u="none" strike="noStrike" cap="none" dirty="0">
                 <a:solidFill>
                   <a:srgbClr val="3F3F3F"/>
                 </a:solidFill>
@@ -16482,7 +16737,31 @@
                 <a:cs typeface="Calibri"/>
                 <a:sym typeface="Calibri"/>
               </a:rPr>
-              <a:t>Authors (e.g. data collectors, responsible researchers, data managers, …)</a:t>
+              <a:t>Auteurs (</a:t>
+            </a:r>
+            <a:r>
+              <a:rPr lang="fr-CA" b="0" i="0" u="none" strike="noStrike" cap="none" dirty="0">
+                <a:solidFill>
+                  <a:srgbClr val="3F3F3F"/>
+                </a:solidFill>
+                <a:latin typeface="Calibri"/>
+                <a:ea typeface="Calibri"/>
+                <a:cs typeface="Calibri"/>
+                <a:sym typeface="Calibri"/>
+              </a:rPr>
+              <a:t>ex.: collecteurs de données, chercheurs responsables, gestionnaires de données</a:t>
+            </a:r>
+            <a:r>
+              <a:rPr lang="en-US" b="0" i="0" u="none" strike="noStrike" cap="none" dirty="0">
+                <a:solidFill>
+                  <a:srgbClr val="3F3F3F"/>
+                </a:solidFill>
+                <a:latin typeface="Calibri"/>
+                <a:ea typeface="Calibri"/>
+                <a:cs typeface="Calibri"/>
+                <a:sym typeface="Calibri"/>
+              </a:rPr>
+              <a:t>, …)</a:t>
             </a:r>
             <a:endParaRPr dirty="0"/>
           </a:p>
@@ -16505,7 +16784,7 @@
               <a:buChar char="◦"/>
             </a:pPr>
             <a:r>
-              <a:rPr lang="en-US" sz="1350" b="0" i="0" u="none" strike="noStrike" cap="none" dirty="0">
+              <a:rPr lang="fr-CA" b="0" i="0" u="none" strike="noStrike" cap="none" dirty="0">
                 <a:solidFill>
                   <a:srgbClr val="3F3F3F"/>
                 </a:solidFill>
@@ -16514,9 +16793,9 @@
                 <a:cs typeface="Calibri"/>
                 <a:sym typeface="Calibri"/>
               </a:rPr>
-              <a:t>Publication year</a:t>
-            </a:r>
-            <a:endParaRPr sz="1350" b="0" i="0" u="none" strike="noStrike" cap="none" dirty="0">
+              <a:t>Année de publication</a:t>
+            </a:r>
+            <a:endParaRPr b="0" i="0" u="none" strike="noStrike" cap="none" dirty="0">
               <a:solidFill>
                 <a:srgbClr val="3F3F3F"/>
               </a:solidFill>
@@ -16545,7 +16824,7 @@
               <a:buChar char="◦"/>
             </a:pPr>
             <a:r>
-              <a:rPr lang="en-US" sz="1350" b="0" i="0" u="none" strike="noStrike" cap="none" dirty="0">
+              <a:rPr lang="en-US" dirty="0" err="1">
                 <a:solidFill>
                   <a:srgbClr val="3F3F3F"/>
                 </a:solidFill>
@@ -16554,9 +16833,33 @@
                 <a:cs typeface="Calibri"/>
                 <a:sym typeface="Calibri"/>
               </a:rPr>
-              <a:t>Dataset title</a:t>
-            </a:r>
-            <a:endParaRPr sz="1350" b="0" i="0" u="none" strike="noStrike" cap="none" dirty="0">
+              <a:t>Titre</a:t>
+            </a:r>
+            <a:r>
+              <a:rPr lang="en-US" dirty="0">
+                <a:solidFill>
+                  <a:srgbClr val="3F3F3F"/>
+                </a:solidFill>
+                <a:latin typeface="Calibri"/>
+                <a:ea typeface="Calibri"/>
+                <a:cs typeface="Calibri"/>
+                <a:sym typeface="Calibri"/>
+              </a:rPr>
+              <a:t> du jeu de </a:t>
+            </a:r>
+            <a:r>
+              <a:rPr lang="en-US" dirty="0" err="1">
+                <a:solidFill>
+                  <a:srgbClr val="3F3F3F"/>
+                </a:solidFill>
+                <a:latin typeface="Calibri"/>
+                <a:ea typeface="Calibri"/>
+                <a:cs typeface="Calibri"/>
+                <a:sym typeface="Calibri"/>
+              </a:rPr>
+              <a:t>données</a:t>
+            </a:r>
+            <a:endParaRPr b="0" i="0" u="none" strike="noStrike" cap="none" dirty="0">
               <a:solidFill>
                 <a:srgbClr val="3F3F3F"/>
               </a:solidFill>
@@ -16585,7 +16888,7 @@
               <a:buChar char="◦"/>
             </a:pPr>
             <a:r>
-              <a:rPr lang="en-US" sz="1350" b="0" i="0" u="none" strike="noStrike" cap="none" dirty="0">
+              <a:rPr lang="fr-CA" b="0" i="0" u="none" strike="noStrike" cap="none" dirty="0">
                 <a:solidFill>
                   <a:srgbClr val="3F3F3F"/>
                 </a:solidFill>
@@ -16594,17 +16897,8 @@
                 <a:cs typeface="Calibri"/>
                 <a:sym typeface="Calibri"/>
               </a:rPr>
-              <a:t>Name of the organizations involved when different from publisher</a:t>
-            </a:r>
-            <a:endParaRPr sz="1350" b="0" i="0" u="none" strike="noStrike" cap="none" dirty="0">
-              <a:solidFill>
-                <a:srgbClr val="3F3F3F"/>
-              </a:solidFill>
-              <a:latin typeface="Calibri"/>
-              <a:ea typeface="Calibri"/>
-              <a:cs typeface="Calibri"/>
-              <a:sym typeface="Calibri"/>
-            </a:endParaRPr>
+              <a:t>Nom des organisations impliquées lorsqu'il est différent de l'éditeur</a:t>
+            </a:r>
           </a:p>
           <a:p>
             <a:pPr marL="384048" marR="0" lvl="1" indent="-182880" algn="l" rtl="0">
@@ -16625,7 +16919,7 @@
               <a:buChar char="◦"/>
             </a:pPr>
             <a:r>
-              <a:rPr lang="en-US" sz="1350" b="0" i="0" u="none" strike="noStrike" cap="none" dirty="0">
+              <a:rPr lang="fr-CA" b="0" i="0" u="none" strike="noStrike" cap="none" dirty="0">
                 <a:solidFill>
                   <a:srgbClr val="3F3F3F"/>
                 </a:solidFill>
@@ -16634,9 +16928,8 @@
                 <a:cs typeface="Calibri"/>
                 <a:sym typeface="Calibri"/>
               </a:rPr>
-              <a:t>Publisher (can be the OBIS node)</a:t>
-            </a:r>
-            <a:endParaRPr dirty="0"/>
+              <a:t>Éditeur (peut être le nœud OBIS)</a:t>
+            </a:r>
           </a:p>
           <a:p>
             <a:pPr marL="384048" marR="0" lvl="1" indent="-182880" algn="l" rtl="0">
@@ -16657,7 +16950,7 @@
               <a:buChar char="◦"/>
             </a:pPr>
             <a:r>
-              <a:rPr lang="en-US" sz="1350" b="0" i="0" u="none" strike="noStrike" cap="none" dirty="0">
+              <a:rPr lang="fr-CA" b="0" i="0" u="none" strike="noStrike" cap="none" dirty="0">
                 <a:solidFill>
                   <a:srgbClr val="3F3F3F"/>
                 </a:solidFill>
@@ -16666,9 +16959,8 @@
                 <a:cs typeface="Calibri"/>
                 <a:sym typeface="Calibri"/>
               </a:rPr>
-              <a:t>Dataset type (e.g. occurrence, sampling event)</a:t>
-            </a:r>
-            <a:endParaRPr dirty="0"/>
+              <a:t>Type de jeu de données (ex.: occurrence, événement d'échantillonnage)</a:t>
+            </a:r>
           </a:p>
           <a:p>
             <a:pPr marL="384048" marR="0" lvl="1" indent="-182880" algn="l" rtl="0">
@@ -16689,7 +16981,7 @@
               <a:buChar char="◦"/>
             </a:pPr>
             <a:r>
-              <a:rPr lang="en-US" sz="1350" b="0" i="0" u="none" strike="noStrike" cap="none" dirty="0">
+              <a:rPr lang="fr-CA" b="0" i="0" u="none" strike="noStrike" cap="none" dirty="0">
                 <a:solidFill>
                   <a:srgbClr val="3F3F3F"/>
                 </a:solidFill>
@@ -16698,17 +16990,8 @@
                 <a:cs typeface="Calibri"/>
                 <a:sym typeface="Calibri"/>
               </a:rPr>
-              <a:t>Version number</a:t>
-            </a:r>
-            <a:endParaRPr sz="1350" b="0" i="0" u="none" strike="noStrike" cap="none" dirty="0">
-              <a:solidFill>
-                <a:srgbClr val="3F3F3F"/>
-              </a:solidFill>
-              <a:latin typeface="Calibri"/>
-              <a:ea typeface="Calibri"/>
-              <a:cs typeface="Calibri"/>
-              <a:sym typeface="Calibri"/>
-            </a:endParaRPr>
+              <a:t>Numéro de version</a:t>
+            </a:r>
           </a:p>
           <a:p>
             <a:pPr marL="384048" marR="0" lvl="1" indent="-182880" algn="l" rtl="0">
@@ -16729,7 +17012,7 @@
               <a:buChar char="◦"/>
             </a:pPr>
             <a:r>
-              <a:rPr lang="en-US" sz="1350" b="0" i="0" u="none" strike="noStrike" cap="none" dirty="0">
+              <a:rPr lang="fr-CA" b="0" i="0" u="none" strike="noStrike" cap="none" dirty="0">
                 <a:solidFill>
                   <a:srgbClr val="3F3F3F"/>
                 </a:solidFill>
@@ -16738,49 +17021,9 @@
                 <a:cs typeface="Calibri"/>
                 <a:sym typeface="Calibri"/>
               </a:rPr>
-              <a:t>IPT dataset </a:t>
-            </a:r>
-            <a:r>
-              <a:rPr lang="en-US" sz="1350" b="0" i="0" u="none" strike="noStrike" cap="none" dirty="0" err="1">
-                <a:solidFill>
-                  <a:srgbClr val="3F3F3F"/>
-                </a:solidFill>
-                <a:latin typeface="Calibri"/>
-                <a:ea typeface="Calibri"/>
-                <a:cs typeface="Calibri"/>
-                <a:sym typeface="Calibri"/>
-              </a:rPr>
-              <a:t>url</a:t>
-            </a:r>
-            <a:endParaRPr sz="1350" b="0" i="0" u="none" strike="noStrike" cap="none" dirty="0">
-              <a:solidFill>
-                <a:srgbClr val="3F3F3F"/>
-              </a:solidFill>
-              <a:latin typeface="Calibri"/>
-              <a:ea typeface="Calibri"/>
-              <a:cs typeface="Calibri"/>
-              <a:sym typeface="Calibri"/>
-            </a:endParaRPr>
-          </a:p>
-          <a:p>
-            <a:pPr marL="384048" marR="0" lvl="1" indent="-97154" algn="l" rtl="0">
-              <a:lnSpc>
-                <a:spcPct val="90000"/>
-              </a:lnSpc>
-              <a:spcBef>
-                <a:spcPts val="600"/>
-              </a:spcBef>
-              <a:spcAft>
-                <a:spcPts val="0"/>
-              </a:spcAft>
-              <a:buClr>
-                <a:schemeClr val="accent1"/>
-              </a:buClr>
-              <a:buSzPts val="1350"/>
-              <a:buFont typeface="Calibri"/>
-              <a:buNone/>
-            </a:pPr>
-            <a:endParaRPr sz="1350" b="0" i="0" u="none" strike="noStrike" cap="none" dirty="0">
+              <a:t>URL du jeu de données dans l’IPT</a:t>
+            </a:r>
+            <a:endParaRPr b="0" i="0" u="none" strike="noStrike" cap="none" dirty="0">
               <a:solidFill>
                 <a:srgbClr val="3F3F3F"/>
               </a:solidFill>
@@ -16834,7 +17077,7 @@
         </p:nvSpPr>
         <p:spPr>
           <a:xfrm>
-            <a:off x="4772369" y="1502077"/>
+            <a:off x="4296229" y="3936563"/>
             <a:ext cx="6816436" cy="584775"/>
           </a:xfrm>
           <a:prstGeom prst="rect">
@@ -17152,7 +17395,7 @@
         </p:nvSpPr>
         <p:spPr>
           <a:xfrm>
-            <a:off x="4855490" y="2166057"/>
+            <a:off x="1351148" y="4768618"/>
             <a:ext cx="6650038" cy="1323439"/>
           </a:xfrm>
           <a:prstGeom prst="rect">
@@ -17524,10 +17767,18 @@
               <a:buNone/>
             </a:pPr>
             <a:r>
-              <a:rPr lang="en-US"/>
-              <a:t>Metadata standards</a:t>
-            </a:r>
-            <a:endParaRPr/>
+              <a:rPr lang="en-US" dirty="0" err="1"/>
+              <a:t>Norme</a:t>
+            </a:r>
+            <a:r>
+              <a:rPr lang="en-US" dirty="0"/>
+              <a:t> de </a:t>
+            </a:r>
+            <a:r>
+              <a:rPr lang="en-US" dirty="0" err="1"/>
+              <a:t>métadonnées</a:t>
+            </a:r>
+            <a:endParaRPr dirty="0"/>
           </a:p>
         </p:txBody>
       </p:sp>
@@ -17539,7 +17790,7 @@
         </p:nvSpPr>
         <p:spPr>
           <a:xfrm>
-            <a:off x="1022985" y="2734866"/>
+            <a:off x="1022985" y="2055950"/>
             <a:ext cx="9978300" cy="3214500"/>
           </a:xfrm>
           <a:prstGeom prst="rect">
@@ -17574,7 +17825,7 @@
               <a:buNone/>
             </a:pPr>
             <a:r>
-              <a:rPr lang="en-US" sz="1800" b="1" i="0" u="none" strike="noStrike" cap="none" dirty="0">
+              <a:rPr lang="fr-CA" sz="1800" b="1" i="0" u="none" strike="noStrike" cap="none" dirty="0">
                 <a:solidFill>
                   <a:srgbClr val="3F3F3F"/>
                 </a:solidFill>
@@ -17583,7 +17834,7 @@
                 <a:cs typeface="Calibri"/>
                 <a:sym typeface="Calibri"/>
               </a:rPr>
-              <a:t>Data paper</a:t>
+              <a:t>Papier de données</a:t>
             </a:r>
             <a:endParaRPr dirty="0"/>
           </a:p>
@@ -17634,7 +17885,7 @@
               <a:buNone/>
             </a:pPr>
             <a:r>
-              <a:rPr lang="en-US" sz="1800" b="0" i="0" u="none" strike="noStrike" cap="none" dirty="0">
+              <a:rPr lang="fr-CA" sz="1800" b="0" i="0" u="none" strike="noStrike" cap="none" dirty="0">
                 <a:solidFill>
                   <a:srgbClr val="3F3F3F"/>
                 </a:solidFill>
@@ -17643,10 +17894,34 @@
                 <a:cs typeface="Calibri"/>
                 <a:sym typeface="Calibri"/>
               </a:rPr>
-              <a:t>Fill in as much metadata as possible and publish your metadata as a data paper e.g. in a Pensoft journal, by importing the eml.xml file into their </a:t>
-            </a:r>
-            <a:r>
-              <a:rPr lang="en-US" sz="1800" b="0" i="0" u="none" strike="noStrike" cap="none" dirty="0" err="1">
+              <a:t>Remplissez autant de métadonnées que possible et publiez vos métadonnées sous forme de papier de données, par ex. dans un journal </a:t>
+            </a:r>
+            <a:r>
+              <a:rPr lang="fr-CA" sz="1800" b="0" i="0" u="none" strike="noStrike" cap="none" dirty="0" err="1">
+                <a:solidFill>
+                  <a:srgbClr val="3F3F3F"/>
+                </a:solidFill>
+                <a:latin typeface="Calibri"/>
+                <a:ea typeface="Calibri"/>
+                <a:cs typeface="Calibri"/>
+                <a:sym typeface="Calibri"/>
+              </a:rPr>
+              <a:t>Pensoft</a:t>
+            </a:r>
+            <a:r>
+              <a:rPr lang="fr-CA" sz="1800" b="0" i="0" u="none" strike="noStrike" cap="none" dirty="0">
+                <a:solidFill>
+                  <a:srgbClr val="3F3F3F"/>
+                </a:solidFill>
+                <a:latin typeface="Calibri"/>
+                <a:ea typeface="Calibri"/>
+                <a:cs typeface="Calibri"/>
+                <a:sym typeface="Calibri"/>
+              </a:rPr>
+              <a:t>, en important le fichier eml.xml dans leur outil </a:t>
+            </a:r>
+            <a:r>
+              <a:rPr lang="fr-CA" sz="1800" b="0" i="0" u="none" strike="noStrike" cap="none" dirty="0" err="1">
                 <a:solidFill>
                   <a:srgbClr val="3F3F3F"/>
                 </a:solidFill>
@@ -17658,7 +17933,7 @@
               <a:t>arpha</a:t>
             </a:r>
             <a:r>
-              <a:rPr lang="en-US" sz="1800" b="0" i="0" u="none" strike="noStrike" cap="none" dirty="0">
+              <a:rPr lang="fr-CA" sz="1800" b="0" i="0" u="none" strike="noStrike" cap="none" dirty="0">
                 <a:solidFill>
                   <a:srgbClr val="3F3F3F"/>
                 </a:solidFill>
@@ -17667,9 +17942,8 @@
                 <a:cs typeface="Calibri"/>
                 <a:sym typeface="Calibri"/>
               </a:rPr>
-              <a:t> tool. </a:t>
-            </a:r>
-            <a:endParaRPr dirty="0"/>
+              <a:t>.</a:t>
+            </a:r>
           </a:p>
           <a:p>
             <a:pPr marL="150876" marR="0" lvl="1" indent="0" algn="l" rtl="0">
